--- a/2일차/1_터치센서.pptx
+++ b/2일차/1_터치센서.pptx
@@ -5,20 +5,21 @@
     <p:sldMasterId id="2147483648" r:id="rId1"/>
   </p:sldMasterIdLst>
   <p:notesMasterIdLst>
-    <p:notesMasterId r:id="rId13"/>
+    <p:notesMasterId r:id="rId14"/>
   </p:notesMasterIdLst>
   <p:sldIdLst>
-    <p:sldId id="259" r:id="rId2"/>
-    <p:sldId id="351" r:id="rId3"/>
-    <p:sldId id="402" r:id="rId4"/>
-    <p:sldId id="380" r:id="rId5"/>
-    <p:sldId id="381" r:id="rId6"/>
-    <p:sldId id="399" r:id="rId7"/>
-    <p:sldId id="398" r:id="rId8"/>
-    <p:sldId id="378" r:id="rId9"/>
-    <p:sldId id="401" r:id="rId10"/>
-    <p:sldId id="386" r:id="rId11"/>
-    <p:sldId id="400" r:id="rId12"/>
+    <p:sldId id="382" r:id="rId2"/>
+    <p:sldId id="259" r:id="rId3"/>
+    <p:sldId id="351" r:id="rId4"/>
+    <p:sldId id="402" r:id="rId5"/>
+    <p:sldId id="380" r:id="rId6"/>
+    <p:sldId id="381" r:id="rId7"/>
+    <p:sldId id="399" r:id="rId8"/>
+    <p:sldId id="398" r:id="rId9"/>
+    <p:sldId id="378" r:id="rId10"/>
+    <p:sldId id="401" r:id="rId11"/>
+    <p:sldId id="386" r:id="rId12"/>
+    <p:sldId id="400" r:id="rId13"/>
   </p:sldIdLst>
   <p:sldSz cx="12192000" cy="6858000"/>
   <p:notesSz cx="6858000" cy="9144000"/>
@@ -218,7 +219,7 @@
           <a:p>
             <a:fld id="{7AF38192-EF79-4F18-892D-B65E93EB7E4B}" type="datetimeFigureOut">
               <a:rPr lang="ko-KR" altLang="en-US" smtClean="0"/>
-              <a:t>2022-01-01</a:t>
+              <a:t>2022-01-02</a:t>
             </a:fld>
             <a:endParaRPr lang="ko-KR" altLang="en-US"/>
           </a:p>
@@ -556,7 +557,7 @@
           <a:p>
             <a:fld id="{1D357D89-BD75-4D72-9D13-1EC8002A5592}" type="slidenum">
               <a:rPr lang="ko-KR" altLang="en-US" smtClean="0"/>
-              <a:t>3</a:t>
+              <a:t>4</a:t>
             </a:fld>
             <a:endParaRPr lang="ko-KR" altLang="en-US"/>
           </a:p>
@@ -646,7 +647,7 @@
           <a:p>
             <a:fld id="{1D357D89-BD75-4D72-9D13-1EC8002A5592}" type="slidenum">
               <a:rPr lang="ko-KR" altLang="en-US" smtClean="0"/>
-              <a:t>4</a:t>
+              <a:t>5</a:t>
             </a:fld>
             <a:endParaRPr lang="ko-KR" altLang="en-US"/>
           </a:p>
@@ -736,7 +737,7 @@
           <a:p>
             <a:fld id="{1D357D89-BD75-4D72-9D13-1EC8002A5592}" type="slidenum">
               <a:rPr lang="ko-KR" altLang="en-US" smtClean="0"/>
-              <a:t>5</a:t>
+              <a:t>6</a:t>
             </a:fld>
             <a:endParaRPr lang="ko-KR" altLang="en-US"/>
           </a:p>
@@ -826,7 +827,7 @@
           <a:p>
             <a:fld id="{1D357D89-BD75-4D72-9D13-1EC8002A5592}" type="slidenum">
               <a:rPr lang="ko-KR" altLang="en-US" smtClean="0"/>
-              <a:t>6</a:t>
+              <a:t>7</a:t>
             </a:fld>
             <a:endParaRPr lang="ko-KR" altLang="en-US"/>
           </a:p>
@@ -916,7 +917,7 @@
           <a:p>
             <a:fld id="{1D357D89-BD75-4D72-9D13-1EC8002A5592}" type="slidenum">
               <a:rPr lang="ko-KR" altLang="en-US" smtClean="0"/>
-              <a:t>7</a:t>
+              <a:t>8</a:t>
             </a:fld>
             <a:endParaRPr lang="ko-KR" altLang="en-US"/>
           </a:p>
@@ -1006,7 +1007,7 @@
           <a:p>
             <a:fld id="{1D357D89-BD75-4D72-9D13-1EC8002A5592}" type="slidenum">
               <a:rPr lang="ko-KR" altLang="en-US" smtClean="0"/>
-              <a:t>8</a:t>
+              <a:t>9</a:t>
             </a:fld>
             <a:endParaRPr lang="ko-KR" altLang="en-US"/>
           </a:p>
@@ -1096,7 +1097,7 @@
           <a:p>
             <a:fld id="{1D357D89-BD75-4D72-9D13-1EC8002A5592}" type="slidenum">
               <a:rPr lang="ko-KR" altLang="en-US" smtClean="0"/>
-              <a:t>9</a:t>
+              <a:t>10</a:t>
             </a:fld>
             <a:endParaRPr lang="ko-KR" altLang="en-US"/>
           </a:p>
@@ -1180,7 +1181,7 @@
           <a:p>
             <a:fld id="{1D357D89-BD75-4D72-9D13-1EC8002A5592}" type="slidenum">
               <a:rPr lang="ko-KR" altLang="en-US" smtClean="0"/>
-              <a:t>10</a:t>
+              <a:t>11</a:t>
             </a:fld>
             <a:endParaRPr lang="ko-KR" altLang="en-US"/>
           </a:p>
@@ -1270,7 +1271,7 @@
           <a:p>
             <a:fld id="{1D357D89-BD75-4D72-9D13-1EC8002A5592}" type="slidenum">
               <a:rPr lang="ko-KR" altLang="en-US" smtClean="0"/>
-              <a:t>11</a:t>
+              <a:t>12</a:t>
             </a:fld>
             <a:endParaRPr lang="ko-KR" altLang="en-US"/>
           </a:p>
@@ -1418,7 +1419,7 @@
           <a:p>
             <a:fld id="{B3C538F8-4A7A-44CA-AA3A-B9DEC8247D1C}" type="datetimeFigureOut">
               <a:rPr lang="ko-KR" altLang="en-US" smtClean="0"/>
-              <a:t>2022-01-01</a:t>
+              <a:t>2022-01-02</a:t>
             </a:fld>
             <a:endParaRPr lang="ko-KR" altLang="en-US"/>
           </a:p>
@@ -1586,7 +1587,7 @@
           <a:p>
             <a:fld id="{B3C538F8-4A7A-44CA-AA3A-B9DEC8247D1C}" type="datetimeFigureOut">
               <a:rPr lang="ko-KR" altLang="en-US" smtClean="0"/>
-              <a:t>2022-01-01</a:t>
+              <a:t>2022-01-02</a:t>
             </a:fld>
             <a:endParaRPr lang="ko-KR" altLang="en-US"/>
           </a:p>
@@ -1764,7 +1765,7 @@
           <a:p>
             <a:fld id="{B3C538F8-4A7A-44CA-AA3A-B9DEC8247D1C}" type="datetimeFigureOut">
               <a:rPr lang="ko-KR" altLang="en-US" smtClean="0"/>
-              <a:t>2022-01-01</a:t>
+              <a:t>2022-01-02</a:t>
             </a:fld>
             <a:endParaRPr lang="ko-KR" altLang="en-US"/>
           </a:p>
@@ -1932,7 +1933,7 @@
           <a:p>
             <a:fld id="{B3C538F8-4A7A-44CA-AA3A-B9DEC8247D1C}" type="datetimeFigureOut">
               <a:rPr lang="ko-KR" altLang="en-US" smtClean="0"/>
-              <a:t>2022-01-01</a:t>
+              <a:t>2022-01-02</a:t>
             </a:fld>
             <a:endParaRPr lang="ko-KR" altLang="en-US"/>
           </a:p>
@@ -2177,7 +2178,7 @@
           <a:p>
             <a:fld id="{B3C538F8-4A7A-44CA-AA3A-B9DEC8247D1C}" type="datetimeFigureOut">
               <a:rPr lang="ko-KR" altLang="en-US" smtClean="0"/>
-              <a:t>2022-01-01</a:t>
+              <a:t>2022-01-02</a:t>
             </a:fld>
             <a:endParaRPr lang="ko-KR" altLang="en-US"/>
           </a:p>
@@ -2406,7 +2407,7 @@
           <a:p>
             <a:fld id="{B3C538F8-4A7A-44CA-AA3A-B9DEC8247D1C}" type="datetimeFigureOut">
               <a:rPr lang="ko-KR" altLang="en-US" smtClean="0"/>
-              <a:t>2022-01-01</a:t>
+              <a:t>2022-01-02</a:t>
             </a:fld>
             <a:endParaRPr lang="ko-KR" altLang="en-US"/>
           </a:p>
@@ -2770,7 +2771,7 @@
           <a:p>
             <a:fld id="{B3C538F8-4A7A-44CA-AA3A-B9DEC8247D1C}" type="datetimeFigureOut">
               <a:rPr lang="ko-KR" altLang="en-US" smtClean="0"/>
-              <a:t>2022-01-01</a:t>
+              <a:t>2022-01-02</a:t>
             </a:fld>
             <a:endParaRPr lang="ko-KR" altLang="en-US"/>
           </a:p>
@@ -2887,7 +2888,7 @@
           <a:p>
             <a:fld id="{B3C538F8-4A7A-44CA-AA3A-B9DEC8247D1C}" type="datetimeFigureOut">
               <a:rPr lang="ko-KR" altLang="en-US" smtClean="0"/>
-              <a:t>2022-01-01</a:t>
+              <a:t>2022-01-02</a:t>
             </a:fld>
             <a:endParaRPr lang="ko-KR" altLang="en-US"/>
           </a:p>
@@ -2982,7 +2983,7 @@
           <a:p>
             <a:fld id="{B3C538F8-4A7A-44CA-AA3A-B9DEC8247D1C}" type="datetimeFigureOut">
               <a:rPr lang="ko-KR" altLang="en-US" smtClean="0"/>
-              <a:t>2022-01-01</a:t>
+              <a:t>2022-01-02</a:t>
             </a:fld>
             <a:endParaRPr lang="ko-KR" altLang="en-US"/>
           </a:p>
@@ -3257,7 +3258,7 @@
           <a:p>
             <a:fld id="{B3C538F8-4A7A-44CA-AA3A-B9DEC8247D1C}" type="datetimeFigureOut">
               <a:rPr lang="ko-KR" altLang="en-US" smtClean="0"/>
-              <a:t>2022-01-01</a:t>
+              <a:t>2022-01-02</a:t>
             </a:fld>
             <a:endParaRPr lang="ko-KR" altLang="en-US"/>
           </a:p>
@@ -3509,7 +3510,7 @@
           <a:p>
             <a:fld id="{B3C538F8-4A7A-44CA-AA3A-B9DEC8247D1C}" type="datetimeFigureOut">
               <a:rPr lang="ko-KR" altLang="en-US" smtClean="0"/>
-              <a:t>2022-01-01</a:t>
+              <a:t>2022-01-02</a:t>
             </a:fld>
             <a:endParaRPr lang="ko-KR" altLang="en-US"/>
           </a:p>
@@ -3725,7 +3726,7 @@
           <a:p>
             <a:fld id="{B3C538F8-4A7A-44CA-AA3A-B9DEC8247D1C}" type="datetimeFigureOut">
               <a:rPr lang="ko-KR" altLang="en-US" smtClean="0"/>
-              <a:t>2022-01-01</a:t>
+              <a:t>2022-01-02</a:t>
             </a:fld>
             <a:endParaRPr lang="ko-KR" altLang="en-US"/>
           </a:p>
@@ -4138,8 +4139,8 @@
         </p:nvSpPr>
         <p:spPr>
           <a:xfrm>
-            <a:off x="846483" y="2569801"/>
-            <a:ext cx="10499034" cy="1718397"/>
+            <a:off x="1149137" y="2360543"/>
+            <a:ext cx="9694875" cy="2136913"/>
           </a:xfrm>
           <a:prstGeom prst="rect">
             <a:avLst/>
@@ -4175,7 +4176,7 @@
           <a:p>
             <a:pPr algn="ctr"/>
             <a:r>
-              <a:rPr lang="en-US" altLang="ko-KR" sz="6000">
+              <a:rPr lang="en-US" altLang="ko-KR" sz="6000" dirty="0">
                 <a:ln w="0"/>
                 <a:solidFill>
                   <a:schemeClr val="tx1"/>
@@ -4190,7 +4191,7 @@
                 <a:latin typeface="HY강B" panose="02030600000101010101" pitchFamily="18" charset="-127"/>
                 <a:ea typeface="HY강B" panose="02030600000101010101" pitchFamily="18" charset="-127"/>
               </a:rPr>
-              <a:t>EV3</a:t>
+              <a:t>https://github.com/tjsrnjs17/YONGHWA_EV3</a:t>
             </a:r>
             <a:endParaRPr lang="ko-KR" altLang="en-US" sz="6000" dirty="0">
               <a:ln w="0"/>
@@ -4238,80 +4239,73 @@
       </p:sp>
       <p:sp>
         <p:nvSpPr>
-          <p:cNvPr id="5" name="TextBox 4"/>
-          <p:cNvSpPr txBox="1"/>
+          <p:cNvPr id="5" name="제목 1">
+            <a:extLst>
+              <a:ext uri="{FF2B5EF4-FFF2-40B4-BE49-F238E27FC236}">
+                <a16:creationId xmlns:a16="http://schemas.microsoft.com/office/drawing/2014/main" id="{0C181803-70BE-49E5-8095-FBF94168C5E0}"/>
+              </a:ext>
+            </a:extLst>
+          </p:cNvPr>
+          <p:cNvSpPr txBox="1">
+            <a:spLocks/>
+          </p:cNvSpPr>
           <p:nvPr/>
         </p:nvSpPr>
         <p:spPr>
           <a:xfrm>
-            <a:off x="8955421" y="5103891"/>
-            <a:ext cx="2906333" cy="400110"/>
+            <a:off x="3771749" y="965952"/>
+            <a:ext cx="10515600" cy="1325563"/>
           </a:xfrm>
           <a:prstGeom prst="rect">
             <a:avLst/>
           </a:prstGeom>
-          <a:noFill/>
-        </p:spPr>
-        <p:txBody>
-          <a:bodyPr wrap="square" rtlCol="0">
-            <a:spAutoFit/>
+        </p:spPr>
+        <p:txBody>
+          <a:bodyPr vert="horz" lIns="91440" tIns="45720" rIns="91440" bIns="45720" rtlCol="0" anchor="b">
+            <a:normAutofit/>
           </a:bodyPr>
-          <a:lstStyle/>
-          <a:p>
-            <a:r>
-              <a:rPr lang="ko-KR" altLang="en-US" sz="2000" dirty="0">
-                <a:ln w="0"/>
-                <a:effectLst>
-                  <a:outerShdw blurRad="38100" dist="19050" dir="2700000" algn="tl" rotWithShape="0">
-                    <a:schemeClr val="dk1">
-                      <a:alpha val="40000"/>
-                    </a:schemeClr>
-                  </a:outerShdw>
-                </a:effectLst>
+          <a:lstStyle>
+            <a:lvl1pPr algn="ctr" defTabSz="914400" rtl="0" eaLnBrk="1" latinLnBrk="1" hangingPunct="1">
+              <a:lnSpc>
+                <a:spcPct val="90000"/>
+              </a:lnSpc>
+              <a:spcBef>
+                <a:spcPct val="0"/>
+              </a:spcBef>
+              <a:buNone/>
+              <a:defRPr sz="6000" kern="1200">
+                <a:solidFill>
+                  <a:schemeClr val="tx1"/>
+                </a:solidFill>
+                <a:latin typeface="+mj-lt"/>
+                <a:ea typeface="+mj-ea"/>
+                <a:cs typeface="+mj-cs"/>
+              </a:defRPr>
+            </a:lvl1pPr>
+          </a:lstStyle>
+          <a:p>
+            <a:r>
+              <a:rPr lang="en-US" altLang="ko-KR" dirty="0">
                 <a:latin typeface="HY강B" panose="02030600000101010101" pitchFamily="18" charset="-127"/>
                 <a:ea typeface="HY강B" panose="02030600000101010101" pitchFamily="18" charset="-127"/>
               </a:rPr>
-              <a:t>강사</a:t>
-            </a:r>
-            <a:r>
-              <a:rPr lang="en-US" altLang="ko-KR" sz="2000" dirty="0">
-                <a:ln w="0"/>
-                <a:effectLst>
-                  <a:outerShdw blurRad="38100" dist="19050" dir="2700000" algn="tl" rotWithShape="0">
-                    <a:schemeClr val="dk1">
-                      <a:alpha val="40000"/>
-                    </a:schemeClr>
-                  </a:outerShdw>
-                </a:effectLst>
+              <a:t>(</a:t>
+            </a:r>
+            <a:r>
+              <a:rPr lang="ko-KR" altLang="en-US" dirty="0">
                 <a:latin typeface="HY강B" panose="02030600000101010101" pitchFamily="18" charset="-127"/>
                 <a:ea typeface="HY강B" panose="02030600000101010101" pitchFamily="18" charset="-127"/>
               </a:rPr>
-              <a:t>: </a:t>
-            </a:r>
-            <a:r>
-              <a:rPr lang="ko-KR" altLang="en-US" sz="2000" dirty="0" err="1">
-                <a:ln w="0"/>
-                <a:effectLst>
-                  <a:outerShdw blurRad="38100" dist="19050" dir="2700000" algn="tl" rotWithShape="0">
-                    <a:schemeClr val="dk1">
-                      <a:alpha val="40000"/>
-                    </a:schemeClr>
-                  </a:outerShdw>
-                </a:effectLst>
+              <a:t>선권</a:t>
+            </a:r>
+            <a:r>
+              <a:rPr lang="en-US" altLang="ko-KR" dirty="0">
                 <a:latin typeface="HY강B" panose="02030600000101010101" pitchFamily="18" charset="-127"/>
                 <a:ea typeface="HY강B" panose="02030600000101010101" pitchFamily="18" charset="-127"/>
               </a:rPr>
-              <a:t>유선권</a:t>
-            </a:r>
-            <a:endParaRPr lang="en-US" altLang="ko-KR" sz="2000" dirty="0">
-              <a:ln w="0"/>
-              <a:effectLst>
-                <a:outerShdw blurRad="38100" dist="19050" dir="2700000" algn="tl" rotWithShape="0">
-                  <a:schemeClr val="dk1">
-                    <a:alpha val="40000"/>
-                  </a:schemeClr>
-                </a:outerShdw>
-              </a:effectLst>
+              <a:t>17 )</a:t>
+            </a:r>
+            <a:endParaRPr lang="ko-KR" altLang="en-US" dirty="0">
               <a:latin typeface="HY강B" panose="02030600000101010101" pitchFamily="18" charset="-127"/>
               <a:ea typeface="HY강B" panose="02030600000101010101" pitchFamily="18" charset="-127"/>
             </a:endParaRPr>
@@ -4321,7 +4315,7 @@
     </p:spTree>
     <p:extLst>
       <p:ext uri="{BB962C8B-B14F-4D97-AF65-F5344CB8AC3E}">
-        <p14:creationId xmlns:p14="http://schemas.microsoft.com/office/powerpoint/2010/main" val="1983047379"/>
+        <p14:creationId xmlns:p14="http://schemas.microsoft.com/office/powerpoint/2010/main" val="2493939068"/>
       </p:ext>
     </p:extLst>
   </p:cSld>
@@ -4348,6 +4342,520 @@
           <a:chExt cx="0" cy="0"/>
         </a:xfrm>
       </p:grpSpPr>
+      <p:pic>
+        <p:nvPicPr>
+          <p:cNvPr id="6" name="그림 5">
+            <a:extLst>
+              <a:ext uri="{FF2B5EF4-FFF2-40B4-BE49-F238E27FC236}">
+                <a16:creationId xmlns:a16="http://schemas.microsoft.com/office/drawing/2014/main" id="{ADC14609-C9E3-4C14-9614-AFC36298F99E}"/>
+              </a:ext>
+            </a:extLst>
+          </p:cNvPr>
+          <p:cNvPicPr>
+            <a:picLocks noChangeAspect="1"/>
+          </p:cNvPicPr>
+          <p:nvPr/>
+        </p:nvPicPr>
+        <p:blipFill rotWithShape="1">
+          <a:blip r:embed="rId3"/>
+          <a:srcRect l="21000" t="37751" r="61500" b="31816"/>
+          <a:stretch/>
+        </p:blipFill>
+        <p:spPr>
+          <a:xfrm>
+            <a:off x="4750020" y="1077217"/>
+            <a:ext cx="5460779" cy="5200742"/>
+          </a:xfrm>
+          <a:prstGeom prst="rect">
+            <a:avLst/>
+          </a:prstGeom>
+        </p:spPr>
+      </p:pic>
+      <p:sp>
+        <p:nvSpPr>
+          <p:cNvPr id="2" name="제목 1"/>
+          <p:cNvSpPr>
+            <a:spLocks noGrp="1"/>
+          </p:cNvSpPr>
+          <p:nvPr>
+            <p:ph type="title"/>
+          </p:nvPr>
+        </p:nvSpPr>
+        <p:spPr>
+          <a:xfrm>
+            <a:off x="132522" y="-251101"/>
+            <a:ext cx="10515600" cy="1325563"/>
+          </a:xfrm>
+        </p:spPr>
+        <p:txBody>
+          <a:bodyPr/>
+          <a:lstStyle/>
+          <a:p>
+            <a:r>
+              <a:rPr lang="ko-KR" altLang="en-US" dirty="0">
+                <a:latin typeface="HY강B" panose="02030600000101010101" pitchFamily="18" charset="-127"/>
+                <a:ea typeface="HY강B" panose="02030600000101010101" pitchFamily="18" charset="-127"/>
+              </a:rPr>
+              <a:t>가운데 버튼 눌릴 때 까지 부딪치면 뒤로</a:t>
+            </a:r>
+          </a:p>
+        </p:txBody>
+      </p:sp>
+      <p:pic>
+        <p:nvPicPr>
+          <p:cNvPr id="4" name="그림 3">
+            <a:extLst>
+              <a:ext uri="{FF2B5EF4-FFF2-40B4-BE49-F238E27FC236}">
+                <a16:creationId xmlns:a16="http://schemas.microsoft.com/office/drawing/2014/main" id="{FE471D1B-16C0-4BAD-A986-24C0ABC091C6}"/>
+              </a:ext>
+            </a:extLst>
+          </p:cNvPr>
+          <p:cNvPicPr>
+            <a:picLocks noChangeAspect="1"/>
+          </p:cNvPicPr>
+          <p:nvPr/>
+        </p:nvPicPr>
+        <p:blipFill rotWithShape="1">
+          <a:blip r:embed="rId4"/>
+          <a:srcRect t="10361" r="84917" b="33478"/>
+          <a:stretch/>
+        </p:blipFill>
+        <p:spPr>
+          <a:xfrm>
+            <a:off x="0" y="746096"/>
+            <a:ext cx="3007360" cy="6132308"/>
+          </a:xfrm>
+          <a:prstGeom prst="rect">
+            <a:avLst/>
+          </a:prstGeom>
+        </p:spPr>
+      </p:pic>
+      <p:sp>
+        <p:nvSpPr>
+          <p:cNvPr id="7" name="직사각형 6">
+            <a:extLst>
+              <a:ext uri="{FF2B5EF4-FFF2-40B4-BE49-F238E27FC236}">
+                <a16:creationId xmlns:a16="http://schemas.microsoft.com/office/drawing/2014/main" id="{65597F9A-D0DC-489E-9F43-27F86FD11521}"/>
+              </a:ext>
+            </a:extLst>
+          </p:cNvPr>
+          <p:cNvSpPr/>
+          <p:nvPr/>
+        </p:nvSpPr>
+        <p:spPr>
+          <a:xfrm>
+            <a:off x="0" y="3771610"/>
+            <a:ext cx="587830" cy="533401"/>
+          </a:xfrm>
+          <a:prstGeom prst="rect">
+            <a:avLst/>
+          </a:prstGeom>
+          <a:noFill/>
+          <a:ln w="57150">
+            <a:solidFill>
+              <a:srgbClr val="00FF00"/>
+            </a:solidFill>
+          </a:ln>
+        </p:spPr>
+        <p:style>
+          <a:lnRef idx="2">
+            <a:schemeClr val="accent1">
+              <a:shade val="50000"/>
+            </a:schemeClr>
+          </a:lnRef>
+          <a:fillRef idx="1">
+            <a:schemeClr val="accent1"/>
+          </a:fillRef>
+          <a:effectRef idx="0">
+            <a:schemeClr val="accent1"/>
+          </a:effectRef>
+          <a:fontRef idx="minor">
+            <a:schemeClr val="lt1"/>
+          </a:fontRef>
+        </p:style>
+        <p:txBody>
+          <a:bodyPr rtlCol="0" anchor="ctr"/>
+          <a:lstStyle/>
+          <a:p>
+            <a:pPr algn="ctr"/>
+            <a:endParaRPr lang="ko-KR" altLang="en-US">
+              <a:solidFill>
+                <a:srgbClr val="FF0000"/>
+              </a:solidFill>
+            </a:endParaRPr>
+          </a:p>
+        </p:txBody>
+      </p:sp>
+      <p:sp>
+        <p:nvSpPr>
+          <p:cNvPr id="8" name="직사각형 7">
+            <a:extLst>
+              <a:ext uri="{FF2B5EF4-FFF2-40B4-BE49-F238E27FC236}">
+                <a16:creationId xmlns:a16="http://schemas.microsoft.com/office/drawing/2014/main" id="{3C54A4A9-EE5D-4441-BD55-6FA754E25622}"/>
+              </a:ext>
+            </a:extLst>
+          </p:cNvPr>
+          <p:cNvSpPr/>
+          <p:nvPr/>
+        </p:nvSpPr>
+        <p:spPr>
+          <a:xfrm>
+            <a:off x="0" y="4405649"/>
+            <a:ext cx="587830" cy="533401"/>
+          </a:xfrm>
+          <a:prstGeom prst="rect">
+            <a:avLst/>
+          </a:prstGeom>
+          <a:noFill/>
+          <a:ln w="57150">
+            <a:solidFill>
+              <a:srgbClr val="00FF00"/>
+            </a:solidFill>
+          </a:ln>
+        </p:spPr>
+        <p:style>
+          <a:lnRef idx="2">
+            <a:schemeClr val="accent1">
+              <a:shade val="50000"/>
+            </a:schemeClr>
+          </a:lnRef>
+          <a:fillRef idx="1">
+            <a:schemeClr val="accent1"/>
+          </a:fillRef>
+          <a:effectRef idx="0">
+            <a:schemeClr val="accent1"/>
+          </a:effectRef>
+          <a:fontRef idx="minor">
+            <a:schemeClr val="lt1"/>
+          </a:fontRef>
+        </p:style>
+        <p:txBody>
+          <a:bodyPr rtlCol="0" anchor="ctr"/>
+          <a:lstStyle/>
+          <a:p>
+            <a:pPr algn="ctr"/>
+            <a:endParaRPr lang="ko-KR" altLang="en-US">
+              <a:solidFill>
+                <a:srgbClr val="FF0000"/>
+              </a:solidFill>
+            </a:endParaRPr>
+          </a:p>
+        </p:txBody>
+      </p:sp>
+      <p:sp>
+        <p:nvSpPr>
+          <p:cNvPr id="10" name="제목 1">
+            <a:extLst>
+              <a:ext uri="{FF2B5EF4-FFF2-40B4-BE49-F238E27FC236}">
+                <a16:creationId xmlns:a16="http://schemas.microsoft.com/office/drawing/2014/main" id="{FFA1DF91-04DD-4FE1-861E-5C22E1C2CA60}"/>
+              </a:ext>
+            </a:extLst>
+          </p:cNvPr>
+          <p:cNvSpPr txBox="1">
+            <a:spLocks/>
+          </p:cNvSpPr>
+          <p:nvPr/>
+        </p:nvSpPr>
+        <p:spPr>
+          <a:xfrm>
+            <a:off x="8337046" y="2397951"/>
+            <a:ext cx="3073636" cy="672542"/>
+          </a:xfrm>
+          <a:prstGeom prst="rect">
+            <a:avLst/>
+          </a:prstGeom>
+        </p:spPr>
+        <p:txBody>
+          <a:bodyPr vert="horz" lIns="91440" tIns="45720" rIns="91440" bIns="45720" rtlCol="0" anchor="ctr">
+            <a:normAutofit fontScale="92500"/>
+          </a:bodyPr>
+          <a:lstStyle>
+            <a:lvl1pPr algn="l" defTabSz="914400" rtl="0" eaLnBrk="1" latinLnBrk="1" hangingPunct="1">
+              <a:lnSpc>
+                <a:spcPct val="90000"/>
+              </a:lnSpc>
+              <a:spcBef>
+                <a:spcPct val="0"/>
+              </a:spcBef>
+              <a:buNone/>
+              <a:defRPr sz="4400" kern="1200">
+                <a:solidFill>
+                  <a:schemeClr val="tx1"/>
+                </a:solidFill>
+                <a:latin typeface="+mj-lt"/>
+                <a:ea typeface="+mj-ea"/>
+                <a:cs typeface="+mj-cs"/>
+              </a:defRPr>
+            </a:lvl1pPr>
+          </a:lstStyle>
+          <a:p>
+            <a:r>
+              <a:rPr lang="ko-KR" altLang="en-US" dirty="0">
+                <a:latin typeface="HY강B" panose="02030600000101010101" pitchFamily="18" charset="-127"/>
+                <a:ea typeface="HY강B" panose="02030600000101010101" pitchFamily="18" charset="-127"/>
+              </a:rPr>
+              <a:t>앞으로 이동</a:t>
+            </a:r>
+          </a:p>
+        </p:txBody>
+      </p:sp>
+      <p:sp>
+        <p:nvSpPr>
+          <p:cNvPr id="11" name="제목 1">
+            <a:extLst>
+              <a:ext uri="{FF2B5EF4-FFF2-40B4-BE49-F238E27FC236}">
+                <a16:creationId xmlns:a16="http://schemas.microsoft.com/office/drawing/2014/main" id="{E21B5DC8-EA31-4C37-A09E-A85F9AC7601B}"/>
+              </a:ext>
+            </a:extLst>
+          </p:cNvPr>
+          <p:cNvSpPr txBox="1">
+            <a:spLocks/>
+          </p:cNvSpPr>
+          <p:nvPr/>
+        </p:nvSpPr>
+        <p:spPr>
+          <a:xfrm>
+            <a:off x="9896855" y="4079373"/>
+            <a:ext cx="3197088" cy="860084"/>
+          </a:xfrm>
+          <a:prstGeom prst="rect">
+            <a:avLst/>
+          </a:prstGeom>
+        </p:spPr>
+        <p:txBody>
+          <a:bodyPr vert="horz" lIns="91440" tIns="45720" rIns="91440" bIns="45720" rtlCol="0" anchor="ctr">
+            <a:normAutofit/>
+          </a:bodyPr>
+          <a:lstStyle>
+            <a:lvl1pPr algn="l" defTabSz="914400" rtl="0" eaLnBrk="1" latinLnBrk="1" hangingPunct="1">
+              <a:lnSpc>
+                <a:spcPct val="90000"/>
+              </a:lnSpc>
+              <a:spcBef>
+                <a:spcPct val="0"/>
+              </a:spcBef>
+              <a:buNone/>
+              <a:defRPr sz="4400" kern="1200">
+                <a:solidFill>
+                  <a:schemeClr val="tx1"/>
+                </a:solidFill>
+                <a:latin typeface="+mj-lt"/>
+                <a:ea typeface="+mj-ea"/>
+                <a:cs typeface="+mj-cs"/>
+              </a:defRPr>
+            </a:lvl1pPr>
+          </a:lstStyle>
+          <a:p>
+            <a:r>
+              <a:rPr lang="ko-KR" altLang="en-US" dirty="0">
+                <a:latin typeface="HY강B" panose="02030600000101010101" pitchFamily="18" charset="-127"/>
+                <a:ea typeface="HY강B" panose="02030600000101010101" pitchFamily="18" charset="-127"/>
+              </a:rPr>
+              <a:t>뒤로</a:t>
+            </a:r>
+          </a:p>
+        </p:txBody>
+      </p:sp>
+      <p:sp>
+        <p:nvSpPr>
+          <p:cNvPr id="12" name="제목 1">
+            <a:extLst>
+              <a:ext uri="{FF2B5EF4-FFF2-40B4-BE49-F238E27FC236}">
+                <a16:creationId xmlns:a16="http://schemas.microsoft.com/office/drawing/2014/main" id="{F9005EA3-0F54-43D3-8CA2-21A70BC3E778}"/>
+              </a:ext>
+            </a:extLst>
+          </p:cNvPr>
+          <p:cNvSpPr txBox="1">
+            <a:spLocks/>
+          </p:cNvSpPr>
+          <p:nvPr/>
+        </p:nvSpPr>
+        <p:spPr>
+          <a:xfrm>
+            <a:off x="8337046" y="2996409"/>
+            <a:ext cx="3718260" cy="860084"/>
+          </a:xfrm>
+          <a:prstGeom prst="rect">
+            <a:avLst/>
+          </a:prstGeom>
+        </p:spPr>
+        <p:txBody>
+          <a:bodyPr vert="horz" lIns="91440" tIns="45720" rIns="91440" bIns="45720" rtlCol="0" anchor="ctr">
+            <a:normAutofit fontScale="92500"/>
+          </a:bodyPr>
+          <a:lstStyle>
+            <a:lvl1pPr algn="l" defTabSz="914400" rtl="0" eaLnBrk="1" latinLnBrk="1" hangingPunct="1">
+              <a:lnSpc>
+                <a:spcPct val="90000"/>
+              </a:lnSpc>
+              <a:spcBef>
+                <a:spcPct val="0"/>
+              </a:spcBef>
+              <a:buNone/>
+              <a:defRPr sz="4400" kern="1200">
+                <a:solidFill>
+                  <a:schemeClr val="tx1"/>
+                </a:solidFill>
+                <a:latin typeface="+mj-lt"/>
+                <a:ea typeface="+mj-ea"/>
+                <a:cs typeface="+mj-cs"/>
+              </a:defRPr>
+            </a:lvl1pPr>
+          </a:lstStyle>
+          <a:p>
+            <a:r>
+              <a:rPr lang="ko-KR" altLang="en-US" dirty="0">
+                <a:latin typeface="HY강B" panose="02030600000101010101" pitchFamily="18" charset="-127"/>
+                <a:ea typeface="HY강B" panose="02030600000101010101" pitchFamily="18" charset="-127"/>
+              </a:rPr>
+              <a:t>터치센서 눌림</a:t>
+            </a:r>
+          </a:p>
+        </p:txBody>
+      </p:sp>
+      <p:sp>
+        <p:nvSpPr>
+          <p:cNvPr id="14" name="직사각형 13">
+            <a:extLst>
+              <a:ext uri="{FF2B5EF4-FFF2-40B4-BE49-F238E27FC236}">
+                <a16:creationId xmlns:a16="http://schemas.microsoft.com/office/drawing/2014/main" id="{8F89AEA6-D170-483A-BD21-266A365097C6}"/>
+              </a:ext>
+            </a:extLst>
+          </p:cNvPr>
+          <p:cNvSpPr/>
+          <p:nvPr/>
+        </p:nvSpPr>
+        <p:spPr>
+          <a:xfrm>
+            <a:off x="4799773" y="1854451"/>
+            <a:ext cx="7074547" cy="3683464"/>
+          </a:xfrm>
+          <a:prstGeom prst="rect">
+            <a:avLst/>
+          </a:prstGeom>
+          <a:noFill/>
+          <a:ln w="57150">
+            <a:solidFill>
+              <a:srgbClr val="00FF00"/>
+            </a:solidFill>
+          </a:ln>
+        </p:spPr>
+        <p:style>
+          <a:lnRef idx="2">
+            <a:schemeClr val="accent1">
+              <a:shade val="50000"/>
+            </a:schemeClr>
+          </a:lnRef>
+          <a:fillRef idx="1">
+            <a:schemeClr val="accent1"/>
+          </a:fillRef>
+          <a:effectRef idx="0">
+            <a:schemeClr val="accent1"/>
+          </a:effectRef>
+          <a:fontRef idx="minor">
+            <a:schemeClr val="lt1"/>
+          </a:fontRef>
+        </p:style>
+        <p:txBody>
+          <a:bodyPr rtlCol="0" anchor="ctr"/>
+          <a:lstStyle/>
+          <a:p>
+            <a:pPr algn="ctr"/>
+            <a:endParaRPr lang="ko-KR" altLang="en-US">
+              <a:solidFill>
+                <a:srgbClr val="FF0000"/>
+              </a:solidFill>
+            </a:endParaRPr>
+          </a:p>
+        </p:txBody>
+      </p:sp>
+      <p:sp>
+        <p:nvSpPr>
+          <p:cNvPr id="15" name="제목 1">
+            <a:extLst>
+              <a:ext uri="{FF2B5EF4-FFF2-40B4-BE49-F238E27FC236}">
+                <a16:creationId xmlns:a16="http://schemas.microsoft.com/office/drawing/2014/main" id="{BBE16823-A050-4FB2-85DC-EC823F5B82D9}"/>
+              </a:ext>
+            </a:extLst>
+          </p:cNvPr>
+          <p:cNvSpPr txBox="1">
+            <a:spLocks/>
+          </p:cNvSpPr>
+          <p:nvPr/>
+        </p:nvSpPr>
+        <p:spPr>
+          <a:xfrm>
+            <a:off x="3635203" y="3266141"/>
+            <a:ext cx="1354987" cy="860084"/>
+          </a:xfrm>
+          <a:prstGeom prst="rect">
+            <a:avLst/>
+          </a:prstGeom>
+        </p:spPr>
+        <p:txBody>
+          <a:bodyPr vert="horz" lIns="91440" tIns="45720" rIns="91440" bIns="45720" rtlCol="0" anchor="ctr">
+            <a:normAutofit/>
+          </a:bodyPr>
+          <a:lstStyle>
+            <a:lvl1pPr algn="l" defTabSz="914400" rtl="0" eaLnBrk="1" latinLnBrk="1" hangingPunct="1">
+              <a:lnSpc>
+                <a:spcPct val="90000"/>
+              </a:lnSpc>
+              <a:spcBef>
+                <a:spcPct val="0"/>
+              </a:spcBef>
+              <a:buNone/>
+              <a:defRPr sz="4400" kern="1200">
+                <a:solidFill>
+                  <a:schemeClr val="tx1"/>
+                </a:solidFill>
+                <a:latin typeface="+mj-lt"/>
+                <a:ea typeface="+mj-ea"/>
+                <a:cs typeface="+mj-cs"/>
+              </a:defRPr>
+            </a:lvl1pPr>
+          </a:lstStyle>
+          <a:p>
+            <a:r>
+              <a:rPr lang="ko-KR" altLang="en-US" dirty="0">
+                <a:latin typeface="HY강B" panose="02030600000101010101" pitchFamily="18" charset="-127"/>
+                <a:ea typeface="HY강B" panose="02030600000101010101" pitchFamily="18" charset="-127"/>
+              </a:rPr>
+              <a:t>반복</a:t>
+            </a:r>
+          </a:p>
+        </p:txBody>
+      </p:sp>
+    </p:spTree>
+    <p:extLst>
+      <p:ext uri="{BB962C8B-B14F-4D97-AF65-F5344CB8AC3E}">
+        <p14:creationId xmlns:p14="http://schemas.microsoft.com/office/powerpoint/2010/main" val="2592788960"/>
+      </p:ext>
+    </p:extLst>
+  </p:cSld>
+  <p:clrMapOvr>
+    <a:masterClrMapping/>
+  </p:clrMapOvr>
+</p:sld>
+</file>
+
+<file path=ppt/slides/slide11.xml><?xml version="1.0" encoding="utf-8"?>
+<p:sld xmlns:a="http://schemas.openxmlformats.org/drawingml/2006/main" xmlns:r="http://schemas.openxmlformats.org/officeDocument/2006/relationships" xmlns:p="http://schemas.openxmlformats.org/presentationml/2006/main">
+  <p:cSld>
+    <p:spTree>
+      <p:nvGrpSpPr>
+        <p:cNvPr id="1" name=""/>
+        <p:cNvGrpSpPr/>
+        <p:nvPr/>
+      </p:nvGrpSpPr>
+      <p:grpSpPr>
+        <a:xfrm>
+          <a:off x="0" y="0"/>
+          <a:ext cx="0" cy="0"/>
+          <a:chOff x="0" y="0"/>
+          <a:chExt cx="0" cy="0"/>
+        </a:xfrm>
+      </p:grpSpPr>
       <p:sp>
         <p:nvSpPr>
           <p:cNvPr id="4" name="직사각형 3"/>
@@ -4617,7 +5125,7 @@
 </p:sld>
 </file>
 
-<file path=ppt/slides/slide11.xml><?xml version="1.0" encoding="utf-8"?>
+<file path=ppt/slides/slide12.xml><?xml version="1.0" encoding="utf-8"?>
 <p:sld xmlns:a="http://schemas.openxmlformats.org/drawingml/2006/main" xmlns:r="http://schemas.openxmlformats.org/officeDocument/2006/relationships" xmlns:p="http://schemas.openxmlformats.org/presentationml/2006/main">
   <p:cSld>
     <p:spTree>
@@ -5112,8 +5620,8 @@
         </p:nvSpPr>
         <p:spPr>
           <a:xfrm>
-            <a:off x="846483" y="2360543"/>
-            <a:ext cx="10499034" cy="2136913"/>
+            <a:off x="846483" y="2569801"/>
+            <a:ext cx="10499034" cy="1718397"/>
           </a:xfrm>
           <a:prstGeom prst="rect">
             <a:avLst/>
@@ -5149,7 +5657,7 @@
           <a:p>
             <a:pPr algn="ctr"/>
             <a:r>
-              <a:rPr lang="ko-KR" altLang="en-US" sz="6000" dirty="0">
+              <a:rPr lang="en-US" altLang="ko-KR" sz="6000">
                 <a:ln w="0"/>
                 <a:solidFill>
                   <a:schemeClr val="tx1"/>
@@ -5164,8 +5672,23 @@
                 <a:latin typeface="HY강B" panose="02030600000101010101" pitchFamily="18" charset="-127"/>
                 <a:ea typeface="HY강B" panose="02030600000101010101" pitchFamily="18" charset="-127"/>
               </a:rPr>
-              <a:t>터치센서</a:t>
-            </a:r>
+              <a:t>EV3</a:t>
+            </a:r>
+            <a:endParaRPr lang="ko-KR" altLang="en-US" sz="6000" dirty="0">
+              <a:ln w="0"/>
+              <a:solidFill>
+                <a:schemeClr val="tx1"/>
+              </a:solidFill>
+              <a:effectLst>
+                <a:outerShdw blurRad="38100" dist="19050" dir="2700000" algn="tl" rotWithShape="0">
+                  <a:schemeClr val="dk1">
+                    <a:alpha val="40000"/>
+                  </a:schemeClr>
+                </a:outerShdw>
+              </a:effectLst>
+              <a:latin typeface="HY강B" panose="02030600000101010101" pitchFamily="18" charset="-127"/>
+              <a:ea typeface="HY강B" panose="02030600000101010101" pitchFamily="18" charset="-127"/>
+            </a:endParaRPr>
           </a:p>
         </p:txBody>
       </p:sp>
@@ -5195,10 +5718,92 @@
           </a:p>
         </p:txBody>
       </p:sp>
+      <p:sp>
+        <p:nvSpPr>
+          <p:cNvPr id="5" name="TextBox 4"/>
+          <p:cNvSpPr txBox="1"/>
+          <p:nvPr/>
+        </p:nvSpPr>
+        <p:spPr>
+          <a:xfrm>
+            <a:off x="8955421" y="5103891"/>
+            <a:ext cx="2906333" cy="400110"/>
+          </a:xfrm>
+          <a:prstGeom prst="rect">
+            <a:avLst/>
+          </a:prstGeom>
+          <a:noFill/>
+        </p:spPr>
+        <p:txBody>
+          <a:bodyPr wrap="square" rtlCol="0">
+            <a:spAutoFit/>
+          </a:bodyPr>
+          <a:lstStyle/>
+          <a:p>
+            <a:r>
+              <a:rPr lang="ko-KR" altLang="en-US" sz="2000" dirty="0">
+                <a:ln w="0"/>
+                <a:effectLst>
+                  <a:outerShdw blurRad="38100" dist="19050" dir="2700000" algn="tl" rotWithShape="0">
+                    <a:schemeClr val="dk1">
+                      <a:alpha val="40000"/>
+                    </a:schemeClr>
+                  </a:outerShdw>
+                </a:effectLst>
+                <a:latin typeface="HY강B" panose="02030600000101010101" pitchFamily="18" charset="-127"/>
+                <a:ea typeface="HY강B" panose="02030600000101010101" pitchFamily="18" charset="-127"/>
+              </a:rPr>
+              <a:t>강사</a:t>
+            </a:r>
+            <a:r>
+              <a:rPr lang="en-US" altLang="ko-KR" sz="2000" dirty="0">
+                <a:ln w="0"/>
+                <a:effectLst>
+                  <a:outerShdw blurRad="38100" dist="19050" dir="2700000" algn="tl" rotWithShape="0">
+                    <a:schemeClr val="dk1">
+                      <a:alpha val="40000"/>
+                    </a:schemeClr>
+                  </a:outerShdw>
+                </a:effectLst>
+                <a:latin typeface="HY강B" panose="02030600000101010101" pitchFamily="18" charset="-127"/>
+                <a:ea typeface="HY강B" panose="02030600000101010101" pitchFamily="18" charset="-127"/>
+              </a:rPr>
+              <a:t>: </a:t>
+            </a:r>
+            <a:r>
+              <a:rPr lang="ko-KR" altLang="en-US" sz="2000" dirty="0" err="1">
+                <a:ln w="0"/>
+                <a:effectLst>
+                  <a:outerShdw blurRad="38100" dist="19050" dir="2700000" algn="tl" rotWithShape="0">
+                    <a:schemeClr val="dk1">
+                      <a:alpha val="40000"/>
+                    </a:schemeClr>
+                  </a:outerShdw>
+                </a:effectLst>
+                <a:latin typeface="HY강B" panose="02030600000101010101" pitchFamily="18" charset="-127"/>
+                <a:ea typeface="HY강B" panose="02030600000101010101" pitchFamily="18" charset="-127"/>
+              </a:rPr>
+              <a:t>유선권</a:t>
+            </a:r>
+            <a:endParaRPr lang="en-US" altLang="ko-KR" sz="2000" dirty="0">
+              <a:ln w="0"/>
+              <a:effectLst>
+                <a:outerShdw blurRad="38100" dist="19050" dir="2700000" algn="tl" rotWithShape="0">
+                  <a:schemeClr val="dk1">
+                    <a:alpha val="40000"/>
+                  </a:schemeClr>
+                </a:outerShdw>
+              </a:effectLst>
+              <a:latin typeface="HY강B" panose="02030600000101010101" pitchFamily="18" charset="-127"/>
+              <a:ea typeface="HY강B" panose="02030600000101010101" pitchFamily="18" charset="-127"/>
+            </a:endParaRPr>
+          </a:p>
+        </p:txBody>
+      </p:sp>
     </p:spTree>
     <p:extLst>
       <p:ext uri="{BB962C8B-B14F-4D97-AF65-F5344CB8AC3E}">
-        <p14:creationId xmlns:p14="http://schemas.microsoft.com/office/powerpoint/2010/main" val="2154491408"/>
+        <p14:creationId xmlns:p14="http://schemas.microsoft.com/office/powerpoint/2010/main" val="1983047379"/>
       </p:ext>
     </p:extLst>
   </p:cSld>
@@ -5227,6 +5832,127 @@
       </p:grpSpPr>
       <p:sp>
         <p:nvSpPr>
+          <p:cNvPr id="4" name="직사각형 3"/>
+          <p:cNvSpPr/>
+          <p:nvPr/>
+        </p:nvSpPr>
+        <p:spPr>
+          <a:xfrm>
+            <a:off x="846483" y="2360543"/>
+            <a:ext cx="10499034" cy="2136913"/>
+          </a:xfrm>
+          <a:prstGeom prst="rect">
+            <a:avLst/>
+          </a:prstGeom>
+          <a:solidFill>
+            <a:schemeClr val="lt1">
+              <a:alpha val="56000"/>
+            </a:schemeClr>
+          </a:solidFill>
+          <a:ln w="38100">
+            <a:solidFill>
+              <a:schemeClr val="tx1"/>
+            </a:solidFill>
+          </a:ln>
+        </p:spPr>
+        <p:style>
+          <a:lnRef idx="2">
+            <a:schemeClr val="dk1"/>
+          </a:lnRef>
+          <a:fillRef idx="1">
+            <a:schemeClr val="lt1"/>
+          </a:fillRef>
+          <a:effectRef idx="0">
+            <a:schemeClr val="dk1"/>
+          </a:effectRef>
+          <a:fontRef idx="minor">
+            <a:schemeClr val="dk1"/>
+          </a:fontRef>
+        </p:style>
+        <p:txBody>
+          <a:bodyPr rtlCol="0" anchor="ctr"/>
+          <a:lstStyle/>
+          <a:p>
+            <a:pPr algn="ctr"/>
+            <a:r>
+              <a:rPr lang="ko-KR" altLang="en-US" sz="6000" dirty="0">
+                <a:ln w="0"/>
+                <a:solidFill>
+                  <a:schemeClr val="tx1"/>
+                </a:solidFill>
+                <a:effectLst>
+                  <a:outerShdw blurRad="38100" dist="19050" dir="2700000" algn="tl" rotWithShape="0">
+                    <a:schemeClr val="dk1">
+                      <a:alpha val="40000"/>
+                    </a:schemeClr>
+                  </a:outerShdw>
+                </a:effectLst>
+                <a:latin typeface="HY강B" panose="02030600000101010101" pitchFamily="18" charset="-127"/>
+                <a:ea typeface="HY강B" panose="02030600000101010101" pitchFamily="18" charset="-127"/>
+              </a:rPr>
+              <a:t>터치센서</a:t>
+            </a:r>
+          </a:p>
+        </p:txBody>
+      </p:sp>
+      <p:sp>
+        <p:nvSpPr>
+          <p:cNvPr id="3" name="TextBox 2"/>
+          <p:cNvSpPr txBox="1"/>
+          <p:nvPr/>
+        </p:nvSpPr>
+        <p:spPr>
+          <a:xfrm>
+            <a:off x="296214" y="323165"/>
+            <a:ext cx="184731" cy="369332"/>
+          </a:xfrm>
+          <a:prstGeom prst="rect">
+            <a:avLst/>
+          </a:prstGeom>
+          <a:noFill/>
+        </p:spPr>
+        <p:txBody>
+          <a:bodyPr wrap="none" rtlCol="0">
+            <a:spAutoFit/>
+          </a:bodyPr>
+          <a:lstStyle/>
+          <a:p>
+            <a:endParaRPr lang="ko-KR" altLang="en-US" dirty="0"/>
+          </a:p>
+        </p:txBody>
+      </p:sp>
+    </p:spTree>
+    <p:extLst>
+      <p:ext uri="{BB962C8B-B14F-4D97-AF65-F5344CB8AC3E}">
+        <p14:creationId xmlns:p14="http://schemas.microsoft.com/office/powerpoint/2010/main" val="2154491408"/>
+      </p:ext>
+    </p:extLst>
+  </p:cSld>
+  <p:clrMapOvr>
+    <a:masterClrMapping/>
+  </p:clrMapOvr>
+</p:sld>
+</file>
+
+<file path=ppt/slides/slide4.xml><?xml version="1.0" encoding="utf-8"?>
+<p:sld xmlns:a="http://schemas.openxmlformats.org/drawingml/2006/main" xmlns:r="http://schemas.openxmlformats.org/officeDocument/2006/relationships" xmlns:p="http://schemas.openxmlformats.org/presentationml/2006/main">
+  <p:cSld>
+    <p:spTree>
+      <p:nvGrpSpPr>
+        <p:cNvPr id="1" name=""/>
+        <p:cNvGrpSpPr/>
+        <p:nvPr/>
+      </p:nvGrpSpPr>
+      <p:grpSpPr>
+        <a:xfrm>
+          <a:off x="0" y="0"/>
+          <a:ext cx="0" cy="0"/>
+          <a:chOff x="0" y="0"/>
+          <a:chExt cx="0" cy="0"/>
+        </a:xfrm>
+      </p:grpSpPr>
+      <p:sp>
+        <p:nvSpPr>
           <p:cNvPr id="2" name="제목 1"/>
           <p:cNvSpPr>
             <a:spLocks noGrp="1"/>
@@ -5421,7 +6147,7 @@
 </p:sld>
 </file>
 
-<file path=ppt/slides/slide4.xml><?xml version="1.0" encoding="utf-8"?>
+<file path=ppt/slides/slide5.xml><?xml version="1.0" encoding="utf-8"?>
 <p:sld xmlns:a="http://schemas.openxmlformats.org/drawingml/2006/main" xmlns:r="http://schemas.openxmlformats.org/officeDocument/2006/relationships" xmlns:p="http://schemas.openxmlformats.org/presentationml/2006/main">
   <p:cSld>
     <p:spTree>
@@ -5719,433 +6445,6 @@
     <p:extLst>
       <p:ext uri="{BB962C8B-B14F-4D97-AF65-F5344CB8AC3E}">
         <p14:creationId xmlns:p14="http://schemas.microsoft.com/office/powerpoint/2010/main" val="1065970408"/>
-      </p:ext>
-    </p:extLst>
-  </p:cSld>
-  <p:clrMapOvr>
-    <a:masterClrMapping/>
-  </p:clrMapOvr>
-</p:sld>
-</file>
-
-<file path=ppt/slides/slide5.xml><?xml version="1.0" encoding="utf-8"?>
-<p:sld xmlns:a="http://schemas.openxmlformats.org/drawingml/2006/main" xmlns:r="http://schemas.openxmlformats.org/officeDocument/2006/relationships" xmlns:p="http://schemas.openxmlformats.org/presentationml/2006/main">
-  <p:cSld>
-    <p:spTree>
-      <p:nvGrpSpPr>
-        <p:cNvPr id="1" name=""/>
-        <p:cNvGrpSpPr/>
-        <p:nvPr/>
-      </p:nvGrpSpPr>
-      <p:grpSpPr>
-        <a:xfrm>
-          <a:off x="0" y="0"/>
-          <a:ext cx="0" cy="0"/>
-          <a:chOff x="0" y="0"/>
-          <a:chExt cx="0" cy="0"/>
-        </a:xfrm>
-      </p:grpSpPr>
-      <p:pic>
-        <p:nvPicPr>
-          <p:cNvPr id="4" name="그림 3">
-            <a:extLst>
-              <a:ext uri="{FF2B5EF4-FFF2-40B4-BE49-F238E27FC236}">
-                <a16:creationId xmlns:a16="http://schemas.microsoft.com/office/drawing/2014/main" id="{AFF41887-CF62-4042-A844-296A80423D43}"/>
-              </a:ext>
-            </a:extLst>
-          </p:cNvPr>
-          <p:cNvPicPr>
-            <a:picLocks noChangeAspect="1"/>
-          </p:cNvPicPr>
-          <p:nvPr/>
-        </p:nvPicPr>
-        <p:blipFill rotWithShape="1">
-          <a:blip r:embed="rId3"/>
-          <a:srcRect t="10361" r="84917" b="28709"/>
-          <a:stretch/>
-        </p:blipFill>
-        <p:spPr>
-          <a:xfrm>
-            <a:off x="0" y="497176"/>
-            <a:ext cx="2875280" cy="6360824"/>
-          </a:xfrm>
-          <a:prstGeom prst="rect">
-            <a:avLst/>
-          </a:prstGeom>
-        </p:spPr>
-      </p:pic>
-      <p:sp>
-        <p:nvSpPr>
-          <p:cNvPr id="2" name="제목 1"/>
-          <p:cNvSpPr>
-            <a:spLocks noGrp="1"/>
-          </p:cNvSpPr>
-          <p:nvPr>
-            <p:ph type="title"/>
-          </p:nvPr>
-        </p:nvSpPr>
-        <p:spPr>
-          <a:xfrm>
-            <a:off x="132522" y="-251101"/>
-            <a:ext cx="10515600" cy="1325563"/>
-          </a:xfrm>
-        </p:spPr>
-        <p:txBody>
-          <a:bodyPr/>
-          <a:lstStyle/>
-          <a:p>
-            <a:r>
-              <a:rPr lang="ko-KR" altLang="en-US" dirty="0">
-                <a:latin typeface="HY강B" panose="02030600000101010101" pitchFamily="18" charset="-127"/>
-                <a:ea typeface="HY강B" panose="02030600000101010101" pitchFamily="18" charset="-127"/>
-              </a:rPr>
-              <a:t>부딪치면 뒤로</a:t>
-            </a:r>
-          </a:p>
-        </p:txBody>
-      </p:sp>
-      <p:pic>
-        <p:nvPicPr>
-          <p:cNvPr id="6" name="그림 5">
-            <a:extLst>
-              <a:ext uri="{FF2B5EF4-FFF2-40B4-BE49-F238E27FC236}">
-                <a16:creationId xmlns:a16="http://schemas.microsoft.com/office/drawing/2014/main" id="{3349D481-4969-438C-88A2-666544BBB930}"/>
-              </a:ext>
-            </a:extLst>
-          </p:cNvPr>
-          <p:cNvPicPr>
-            <a:picLocks noChangeAspect="1"/>
-          </p:cNvPicPr>
-          <p:nvPr/>
-        </p:nvPicPr>
-        <p:blipFill rotWithShape="1">
-          <a:blip r:embed="rId3"/>
-          <a:srcRect l="22333" t="38360" r="61863" b="45663"/>
-          <a:stretch/>
-        </p:blipFill>
-        <p:spPr>
-          <a:xfrm>
-            <a:off x="4577049" y="1074462"/>
-            <a:ext cx="5825825" cy="3225739"/>
-          </a:xfrm>
-          <a:prstGeom prst="rect">
-            <a:avLst/>
-          </a:prstGeom>
-        </p:spPr>
-      </p:pic>
-      <p:pic>
-        <p:nvPicPr>
-          <p:cNvPr id="7" name="그림 6">
-            <a:extLst>
-              <a:ext uri="{FF2B5EF4-FFF2-40B4-BE49-F238E27FC236}">
-                <a16:creationId xmlns:a16="http://schemas.microsoft.com/office/drawing/2014/main" id="{D6F29990-CF54-45F6-95FF-CFA525FEC82E}"/>
-              </a:ext>
-            </a:extLst>
-          </p:cNvPr>
-          <p:cNvPicPr>
-            <a:picLocks noChangeAspect="1"/>
-          </p:cNvPicPr>
-          <p:nvPr/>
-        </p:nvPicPr>
-        <p:blipFill rotWithShape="1">
-          <a:blip r:embed="rId3"/>
-          <a:srcRect l="37282" t="38360" r="46250" b="45663"/>
-          <a:stretch/>
-        </p:blipFill>
-        <p:spPr>
-          <a:xfrm>
-            <a:off x="4577049" y="3022945"/>
-            <a:ext cx="6071073" cy="3225739"/>
-          </a:xfrm>
-          <a:prstGeom prst="rect">
-            <a:avLst/>
-          </a:prstGeom>
-        </p:spPr>
-      </p:pic>
-      <p:sp>
-        <p:nvSpPr>
-          <p:cNvPr id="8" name="직사각형 7">
-            <a:extLst>
-              <a:ext uri="{FF2B5EF4-FFF2-40B4-BE49-F238E27FC236}">
-                <a16:creationId xmlns:a16="http://schemas.microsoft.com/office/drawing/2014/main" id="{B448B84A-920A-40AF-8637-7D4ECA8FBB13}"/>
-              </a:ext>
-            </a:extLst>
-          </p:cNvPr>
-          <p:cNvSpPr/>
-          <p:nvPr/>
-        </p:nvSpPr>
-        <p:spPr>
-          <a:xfrm>
-            <a:off x="0" y="1074462"/>
-            <a:ext cx="587830" cy="533401"/>
-          </a:xfrm>
-          <a:prstGeom prst="rect">
-            <a:avLst/>
-          </a:prstGeom>
-          <a:noFill/>
-          <a:ln w="57150">
-            <a:solidFill>
-              <a:srgbClr val="00FF00"/>
-            </a:solidFill>
-          </a:ln>
-        </p:spPr>
-        <p:style>
-          <a:lnRef idx="2">
-            <a:schemeClr val="accent1">
-              <a:shade val="50000"/>
-            </a:schemeClr>
-          </a:lnRef>
-          <a:fillRef idx="1">
-            <a:schemeClr val="accent1"/>
-          </a:fillRef>
-          <a:effectRef idx="0">
-            <a:schemeClr val="accent1"/>
-          </a:effectRef>
-          <a:fontRef idx="minor">
-            <a:schemeClr val="lt1"/>
-          </a:fontRef>
-        </p:style>
-        <p:txBody>
-          <a:bodyPr rtlCol="0" anchor="ctr"/>
-          <a:lstStyle/>
-          <a:p>
-            <a:pPr algn="ctr"/>
-            <a:endParaRPr lang="ko-KR" altLang="en-US">
-              <a:solidFill>
-                <a:srgbClr val="FF0000"/>
-              </a:solidFill>
-            </a:endParaRPr>
-          </a:p>
-        </p:txBody>
-      </p:sp>
-      <p:sp>
-        <p:nvSpPr>
-          <p:cNvPr id="9" name="직사각형 8">
-            <a:extLst>
-              <a:ext uri="{FF2B5EF4-FFF2-40B4-BE49-F238E27FC236}">
-                <a16:creationId xmlns:a16="http://schemas.microsoft.com/office/drawing/2014/main" id="{2E2B2B61-834F-4A49-9A7E-6EAB1F548EC1}"/>
-              </a:ext>
-            </a:extLst>
-          </p:cNvPr>
-          <p:cNvSpPr/>
-          <p:nvPr/>
-        </p:nvSpPr>
-        <p:spPr>
-          <a:xfrm>
-            <a:off x="0" y="2851169"/>
-            <a:ext cx="587830" cy="533401"/>
-          </a:xfrm>
-          <a:prstGeom prst="rect">
-            <a:avLst/>
-          </a:prstGeom>
-          <a:noFill/>
-          <a:ln w="57150">
-            <a:solidFill>
-              <a:srgbClr val="00FF00"/>
-            </a:solidFill>
-          </a:ln>
-        </p:spPr>
-        <p:style>
-          <a:lnRef idx="2">
-            <a:schemeClr val="accent1">
-              <a:shade val="50000"/>
-            </a:schemeClr>
-          </a:lnRef>
-          <a:fillRef idx="1">
-            <a:schemeClr val="accent1"/>
-          </a:fillRef>
-          <a:effectRef idx="0">
-            <a:schemeClr val="accent1"/>
-          </a:effectRef>
-          <a:fontRef idx="minor">
-            <a:schemeClr val="lt1"/>
-          </a:fontRef>
-        </p:style>
-        <p:txBody>
-          <a:bodyPr rtlCol="0" anchor="ctr"/>
-          <a:lstStyle/>
-          <a:p>
-            <a:pPr algn="ctr"/>
-            <a:endParaRPr lang="ko-KR" altLang="en-US">
-              <a:solidFill>
-                <a:srgbClr val="FF0000"/>
-              </a:solidFill>
-            </a:endParaRPr>
-          </a:p>
-        </p:txBody>
-      </p:sp>
-      <p:sp>
-        <p:nvSpPr>
-          <p:cNvPr id="10" name="직사각형 9">
-            <a:extLst>
-              <a:ext uri="{FF2B5EF4-FFF2-40B4-BE49-F238E27FC236}">
-                <a16:creationId xmlns:a16="http://schemas.microsoft.com/office/drawing/2014/main" id="{B33246CF-740F-4371-A9D8-632A6F09A934}"/>
-              </a:ext>
-            </a:extLst>
-          </p:cNvPr>
-          <p:cNvSpPr/>
-          <p:nvPr/>
-        </p:nvSpPr>
-        <p:spPr>
-          <a:xfrm>
-            <a:off x="566060" y="6283354"/>
-            <a:ext cx="1171300" cy="533401"/>
-          </a:xfrm>
-          <a:prstGeom prst="rect">
-            <a:avLst/>
-          </a:prstGeom>
-          <a:noFill/>
-          <a:ln w="57150">
-            <a:solidFill>
-              <a:srgbClr val="00FF00"/>
-            </a:solidFill>
-          </a:ln>
-        </p:spPr>
-        <p:style>
-          <a:lnRef idx="2">
-            <a:schemeClr val="accent1">
-              <a:shade val="50000"/>
-            </a:schemeClr>
-          </a:lnRef>
-          <a:fillRef idx="1">
-            <a:schemeClr val="accent1"/>
-          </a:fillRef>
-          <a:effectRef idx="0">
-            <a:schemeClr val="accent1"/>
-          </a:effectRef>
-          <a:fontRef idx="minor">
-            <a:schemeClr val="lt1"/>
-          </a:fontRef>
-        </p:style>
-        <p:txBody>
-          <a:bodyPr rtlCol="0" anchor="ctr"/>
-          <a:lstStyle/>
-          <a:p>
-            <a:pPr algn="ctr"/>
-            <a:endParaRPr lang="ko-KR" altLang="en-US">
-              <a:solidFill>
-                <a:srgbClr val="FF0000"/>
-              </a:solidFill>
-            </a:endParaRPr>
-          </a:p>
-        </p:txBody>
-      </p:sp>
-      <p:sp>
-        <p:nvSpPr>
-          <p:cNvPr id="11" name="직사각형 10">
-            <a:extLst>
-              <a:ext uri="{FF2B5EF4-FFF2-40B4-BE49-F238E27FC236}">
-                <a16:creationId xmlns:a16="http://schemas.microsoft.com/office/drawing/2014/main" id="{72335B98-7C94-4F5F-A513-C5668FB39644}"/>
-              </a:ext>
-            </a:extLst>
-          </p:cNvPr>
-          <p:cNvSpPr/>
-          <p:nvPr/>
-        </p:nvSpPr>
-        <p:spPr>
-          <a:xfrm>
-            <a:off x="566060" y="5745158"/>
-            <a:ext cx="2156820" cy="533401"/>
-          </a:xfrm>
-          <a:prstGeom prst="rect">
-            <a:avLst/>
-          </a:prstGeom>
-          <a:noFill/>
-          <a:ln w="57150">
-            <a:solidFill>
-              <a:srgbClr val="00FF00"/>
-            </a:solidFill>
-          </a:ln>
-        </p:spPr>
-        <p:style>
-          <a:lnRef idx="2">
-            <a:schemeClr val="accent1">
-              <a:shade val="50000"/>
-            </a:schemeClr>
-          </a:lnRef>
-          <a:fillRef idx="1">
-            <a:schemeClr val="accent1"/>
-          </a:fillRef>
-          <a:effectRef idx="0">
-            <a:schemeClr val="accent1"/>
-          </a:effectRef>
-          <a:fontRef idx="minor">
-            <a:schemeClr val="lt1"/>
-          </a:fontRef>
-        </p:style>
-        <p:txBody>
-          <a:bodyPr rtlCol="0" anchor="ctr"/>
-          <a:lstStyle/>
-          <a:p>
-            <a:pPr algn="ctr"/>
-            <a:endParaRPr lang="ko-KR" altLang="en-US">
-              <a:solidFill>
-                <a:srgbClr val="FF0000"/>
-              </a:solidFill>
-            </a:endParaRPr>
-          </a:p>
-        </p:txBody>
-      </p:sp>
-      <p:sp>
-        <p:nvSpPr>
-          <p:cNvPr id="12" name="직사각형 11">
-            <a:extLst>
-              <a:ext uri="{FF2B5EF4-FFF2-40B4-BE49-F238E27FC236}">
-                <a16:creationId xmlns:a16="http://schemas.microsoft.com/office/drawing/2014/main" id="{410057E3-2AA4-4960-8B2E-D19BDD444C97}"/>
-              </a:ext>
-            </a:extLst>
-          </p:cNvPr>
-          <p:cNvSpPr/>
-          <p:nvPr/>
-        </p:nvSpPr>
-        <p:spPr>
-          <a:xfrm>
-            <a:off x="627020" y="4739318"/>
-            <a:ext cx="2248260" cy="533401"/>
-          </a:xfrm>
-          <a:prstGeom prst="rect">
-            <a:avLst/>
-          </a:prstGeom>
-          <a:noFill/>
-          <a:ln w="57150">
-            <a:solidFill>
-              <a:srgbClr val="00FF00"/>
-            </a:solidFill>
-          </a:ln>
-        </p:spPr>
-        <p:style>
-          <a:lnRef idx="2">
-            <a:schemeClr val="accent1">
-              <a:shade val="50000"/>
-            </a:schemeClr>
-          </a:lnRef>
-          <a:fillRef idx="1">
-            <a:schemeClr val="accent1"/>
-          </a:fillRef>
-          <a:effectRef idx="0">
-            <a:schemeClr val="accent1"/>
-          </a:effectRef>
-          <a:fontRef idx="minor">
-            <a:schemeClr val="lt1"/>
-          </a:fontRef>
-        </p:style>
-        <p:txBody>
-          <a:bodyPr rtlCol="0" anchor="ctr"/>
-          <a:lstStyle/>
-          <a:p>
-            <a:pPr algn="ctr"/>
-            <a:endParaRPr lang="ko-KR" altLang="en-US">
-              <a:solidFill>
-                <a:srgbClr val="FF0000"/>
-              </a:solidFill>
-            </a:endParaRPr>
-          </a:p>
-        </p:txBody>
-      </p:sp>
-    </p:spTree>
-    <p:extLst>
-      <p:ext uri="{BB962C8B-B14F-4D97-AF65-F5344CB8AC3E}">
-        <p14:creationId xmlns:p14="http://schemas.microsoft.com/office/powerpoint/2010/main" val="2115369157"/>
       </p:ext>
     </p:extLst>
   </p:cSld>
@@ -6201,6 +6500,36 @@
           </a:prstGeom>
         </p:spPr>
       </p:pic>
+      <p:sp>
+        <p:nvSpPr>
+          <p:cNvPr id="2" name="제목 1"/>
+          <p:cNvSpPr>
+            <a:spLocks noGrp="1"/>
+          </p:cNvSpPr>
+          <p:nvPr>
+            <p:ph type="title"/>
+          </p:nvPr>
+        </p:nvSpPr>
+        <p:spPr>
+          <a:xfrm>
+            <a:off x="132522" y="-251101"/>
+            <a:ext cx="10515600" cy="1325563"/>
+          </a:xfrm>
+        </p:spPr>
+        <p:txBody>
+          <a:bodyPr/>
+          <a:lstStyle/>
+          <a:p>
+            <a:r>
+              <a:rPr lang="ko-KR" altLang="en-US" dirty="0">
+                <a:latin typeface="HY강B" panose="02030600000101010101" pitchFamily="18" charset="-127"/>
+                <a:ea typeface="HY강B" panose="02030600000101010101" pitchFamily="18" charset="-127"/>
+              </a:rPr>
+              <a:t>부딪치면 뒤로</a:t>
+            </a:r>
+          </a:p>
+        </p:txBody>
+      </p:sp>
       <p:pic>
         <p:nvPicPr>
           <p:cNvPr id="6" name="그림 5">
@@ -6539,92 +6868,10 @@
           </a:p>
         </p:txBody>
       </p:sp>
-      <p:sp>
-        <p:nvSpPr>
-          <p:cNvPr id="13" name="제목 1">
-            <a:extLst>
-              <a:ext uri="{FF2B5EF4-FFF2-40B4-BE49-F238E27FC236}">
-                <a16:creationId xmlns:a16="http://schemas.microsoft.com/office/drawing/2014/main" id="{40F1F8E7-29C9-4E5E-9159-478C45990445}"/>
-              </a:ext>
-            </a:extLst>
-          </p:cNvPr>
-          <p:cNvSpPr txBox="1">
-            <a:spLocks/>
-          </p:cNvSpPr>
-          <p:nvPr/>
-        </p:nvSpPr>
-        <p:spPr>
-          <a:xfrm>
-            <a:off x="132522" y="-251101"/>
-            <a:ext cx="10515600" cy="1325563"/>
-          </a:xfrm>
-          <a:prstGeom prst="rect">
-            <a:avLst/>
-          </a:prstGeom>
-        </p:spPr>
-        <p:txBody>
-          <a:bodyPr vert="horz" lIns="91440" tIns="45720" rIns="91440" bIns="45720" rtlCol="0" anchor="ctr">
-            <a:normAutofit/>
-          </a:bodyPr>
-          <a:lstStyle>
-            <a:lvl1pPr algn="l" defTabSz="914400" rtl="0" eaLnBrk="1" latinLnBrk="1" hangingPunct="1">
-              <a:lnSpc>
-                <a:spcPct val="90000"/>
-              </a:lnSpc>
-              <a:spcBef>
-                <a:spcPct val="0"/>
-              </a:spcBef>
-              <a:buNone/>
-              <a:defRPr sz="4400" kern="1200">
-                <a:solidFill>
-                  <a:schemeClr val="tx1"/>
-                </a:solidFill>
-                <a:latin typeface="+mj-lt"/>
-                <a:ea typeface="+mj-ea"/>
-                <a:cs typeface="+mj-cs"/>
-              </a:defRPr>
-            </a:lvl1pPr>
-          </a:lstStyle>
-          <a:p>
-            <a:r>
-              <a:rPr lang="ko-KR" altLang="en-US">
-                <a:latin typeface="HY강B" panose="02030600000101010101" pitchFamily="18" charset="-127"/>
-                <a:ea typeface="HY강B" panose="02030600000101010101" pitchFamily="18" charset="-127"/>
-              </a:rPr>
-              <a:t>뒤로 가고 끝</a:t>
-            </a:r>
-            <a:r>
-              <a:rPr lang="en-US" altLang="ko-KR">
-                <a:latin typeface="HY강B" panose="02030600000101010101" pitchFamily="18" charset="-127"/>
-                <a:ea typeface="HY강B" panose="02030600000101010101" pitchFamily="18" charset="-127"/>
-              </a:rPr>
-              <a:t>? </a:t>
-            </a:r>
-            <a:r>
-              <a:rPr lang="ko-KR" altLang="en-US">
-                <a:latin typeface="HY강B" panose="02030600000101010101" pitchFamily="18" charset="-127"/>
-                <a:ea typeface="HY강B" panose="02030600000101010101" pitchFamily="18" charset="-127"/>
-              </a:rPr>
-              <a:t>계속 하려면</a:t>
-            </a:r>
-            <a:r>
-              <a:rPr lang="en-US" altLang="ko-KR">
-                <a:latin typeface="HY강B" panose="02030600000101010101" pitchFamily="18" charset="-127"/>
-                <a:ea typeface="HY강B" panose="02030600000101010101" pitchFamily="18" charset="-127"/>
-              </a:rPr>
-              <a:t>?</a:t>
-            </a:r>
-            <a:endParaRPr lang="ko-KR" altLang="en-US" dirty="0">
-              <a:latin typeface="HY강B" panose="02030600000101010101" pitchFamily="18" charset="-127"/>
-              <a:ea typeface="HY강B" panose="02030600000101010101" pitchFamily="18" charset="-127"/>
-            </a:endParaRPr>
-          </a:p>
-        </p:txBody>
-      </p:sp>
     </p:spTree>
     <p:extLst>
       <p:ext uri="{BB962C8B-B14F-4D97-AF65-F5344CB8AC3E}">
-        <p14:creationId xmlns:p14="http://schemas.microsoft.com/office/powerpoint/2010/main" val="1423292739"/>
+        <p14:creationId xmlns:p14="http://schemas.microsoft.com/office/powerpoint/2010/main" val="2115369157"/>
       </p:ext>
     </p:extLst>
   </p:cSld>
@@ -6651,169 +6898,99 @@
           <a:chExt cx="0" cy="0"/>
         </a:xfrm>
       </p:grpSpPr>
-      <p:sp>
-        <p:nvSpPr>
-          <p:cNvPr id="2" name="제목 1"/>
-          <p:cNvSpPr>
-            <a:spLocks noGrp="1"/>
-          </p:cNvSpPr>
-          <p:nvPr>
-            <p:ph type="title"/>
-          </p:nvPr>
-        </p:nvSpPr>
-        <p:spPr>
-          <a:xfrm>
-            <a:off x="229113" y="2247400"/>
-            <a:ext cx="11555056" cy="1325563"/>
-          </a:xfrm>
-        </p:spPr>
-        <p:txBody>
-          <a:bodyPr>
-            <a:normAutofit fontScale="90000"/>
-          </a:bodyPr>
-          <a:lstStyle/>
-          <a:p>
-            <a:r>
-              <a:rPr lang="ko-KR" altLang="en-US" dirty="0">
-                <a:latin typeface="HY강B" panose="02030600000101010101" pitchFamily="18" charset="-127"/>
-                <a:ea typeface="HY강B" panose="02030600000101010101" pitchFamily="18" charset="-127"/>
-              </a:rPr>
-              <a:t>반복 시작</a:t>
-            </a:r>
-            <a:br>
-              <a:rPr lang="en-US" altLang="ko-KR" dirty="0">
-                <a:latin typeface="HY강B" panose="02030600000101010101" pitchFamily="18" charset="-127"/>
-                <a:ea typeface="HY강B" panose="02030600000101010101" pitchFamily="18" charset="-127"/>
-              </a:rPr>
-            </a:br>
-            <a:br>
-              <a:rPr lang="en-US" altLang="ko-KR" dirty="0">
-                <a:latin typeface="HY강B" panose="02030600000101010101" pitchFamily="18" charset="-127"/>
-                <a:ea typeface="HY강B" panose="02030600000101010101" pitchFamily="18" charset="-127"/>
-              </a:rPr>
-            </a:br>
-            <a:r>
-              <a:rPr lang="en-US" altLang="ko-KR" dirty="0">
-                <a:latin typeface="HY강B" panose="02030600000101010101" pitchFamily="18" charset="-127"/>
-                <a:ea typeface="HY강B" panose="02030600000101010101" pitchFamily="18" charset="-127"/>
-              </a:rPr>
-              <a:t>	</a:t>
-            </a:r>
-            <a:r>
-              <a:rPr lang="ko-KR" altLang="en-US" dirty="0">
-                <a:latin typeface="HY강B" panose="02030600000101010101" pitchFamily="18" charset="-127"/>
-                <a:ea typeface="HY강B" panose="02030600000101010101" pitchFamily="18" charset="-127"/>
-              </a:rPr>
-              <a:t>앞으로 이동</a:t>
-            </a:r>
-            <a:br>
-              <a:rPr lang="en-US" altLang="ko-KR" dirty="0">
-                <a:latin typeface="HY강B" panose="02030600000101010101" pitchFamily="18" charset="-127"/>
-                <a:ea typeface="HY강B" panose="02030600000101010101" pitchFamily="18" charset="-127"/>
-              </a:rPr>
-            </a:br>
-            <a:r>
-              <a:rPr lang="en-US" altLang="ko-KR" dirty="0">
-                <a:latin typeface="HY강B" panose="02030600000101010101" pitchFamily="18" charset="-127"/>
-                <a:ea typeface="HY강B" panose="02030600000101010101" pitchFamily="18" charset="-127"/>
-              </a:rPr>
-              <a:t> </a:t>
-            </a:r>
-            <a:br>
-              <a:rPr lang="en-US" altLang="ko-KR" dirty="0">
-                <a:latin typeface="HY강B" panose="02030600000101010101" pitchFamily="18" charset="-127"/>
-                <a:ea typeface="HY강B" panose="02030600000101010101" pitchFamily="18" charset="-127"/>
-              </a:rPr>
-            </a:br>
-            <a:r>
-              <a:rPr lang="en-US" altLang="ko-KR" dirty="0">
-                <a:latin typeface="HY강B" panose="02030600000101010101" pitchFamily="18" charset="-127"/>
-                <a:ea typeface="HY강B" panose="02030600000101010101" pitchFamily="18" charset="-127"/>
-              </a:rPr>
-              <a:t>	</a:t>
-            </a:r>
-            <a:r>
-              <a:rPr lang="ko-KR" altLang="en-US" dirty="0">
-                <a:latin typeface="HY강B" panose="02030600000101010101" pitchFamily="18" charset="-127"/>
-                <a:ea typeface="HY강B" panose="02030600000101010101" pitchFamily="18" charset="-127"/>
-              </a:rPr>
-              <a:t>터치센서 눌림</a:t>
-            </a:r>
-            <a:br>
-              <a:rPr lang="en-US" altLang="ko-KR" dirty="0">
-                <a:latin typeface="HY강B" panose="02030600000101010101" pitchFamily="18" charset="-127"/>
-                <a:ea typeface="HY강B" panose="02030600000101010101" pitchFamily="18" charset="-127"/>
-              </a:rPr>
-            </a:br>
-            <a:r>
-              <a:rPr lang="en-US" altLang="ko-KR" dirty="0">
-                <a:latin typeface="HY강B" panose="02030600000101010101" pitchFamily="18" charset="-127"/>
-                <a:ea typeface="HY강B" panose="02030600000101010101" pitchFamily="18" charset="-127"/>
-              </a:rPr>
-              <a:t>		-</a:t>
-            </a:r>
-            <a:r>
-              <a:rPr lang="ko-KR" altLang="en-US" dirty="0" err="1">
-                <a:latin typeface="HY강B" panose="02030600000101010101" pitchFamily="18" charset="-127"/>
-                <a:ea typeface="HY강B" panose="02030600000101010101" pitchFamily="18" charset="-127"/>
-              </a:rPr>
-              <a:t>뒤로가기</a:t>
-            </a:r>
-            <a:r>
-              <a:rPr lang="ko-KR" altLang="en-US" dirty="0">
-                <a:latin typeface="HY강B" panose="02030600000101010101" pitchFamily="18" charset="-127"/>
-                <a:ea typeface="HY강B" panose="02030600000101010101" pitchFamily="18" charset="-127"/>
-              </a:rPr>
-              <a:t> </a:t>
-            </a:r>
-            <a:r>
-              <a:rPr lang="en-US" altLang="ko-KR" dirty="0">
-                <a:latin typeface="HY강B" panose="02030600000101010101" pitchFamily="18" charset="-127"/>
-                <a:ea typeface="HY강B" panose="02030600000101010101" pitchFamily="18" charset="-127"/>
-              </a:rPr>
-              <a:t>	 </a:t>
-            </a:r>
-            <a:r>
-              <a:rPr lang="ko-KR" altLang="en-US" dirty="0">
-                <a:latin typeface="HY강B" panose="02030600000101010101" pitchFamily="18" charset="-127"/>
-                <a:ea typeface="HY강B" panose="02030600000101010101" pitchFamily="18" charset="-127"/>
-              </a:rPr>
-              <a:t>반복되는 부분</a:t>
-            </a:r>
-            <a:br>
-              <a:rPr lang="en-US" altLang="ko-KR" dirty="0">
-                <a:latin typeface="HY강B" panose="02030600000101010101" pitchFamily="18" charset="-127"/>
-                <a:ea typeface="HY강B" panose="02030600000101010101" pitchFamily="18" charset="-127"/>
-              </a:rPr>
-            </a:br>
-            <a:br>
-              <a:rPr lang="en-US" altLang="ko-KR" dirty="0">
-                <a:latin typeface="HY강B" panose="02030600000101010101" pitchFamily="18" charset="-127"/>
-                <a:ea typeface="HY강B" panose="02030600000101010101" pitchFamily="18" charset="-127"/>
-              </a:rPr>
-            </a:br>
-            <a:br>
-              <a:rPr lang="en-US" altLang="ko-KR" dirty="0">
-                <a:latin typeface="HY강B" panose="02030600000101010101" pitchFamily="18" charset="-127"/>
-                <a:ea typeface="HY강B" panose="02030600000101010101" pitchFamily="18" charset="-127"/>
-              </a:rPr>
-            </a:br>
-            <a:r>
-              <a:rPr lang="ko-KR" altLang="en-US" dirty="0">
-                <a:latin typeface="HY강B" panose="02030600000101010101" pitchFamily="18" charset="-127"/>
-                <a:ea typeface="HY강B" panose="02030600000101010101" pitchFamily="18" charset="-127"/>
-              </a:rPr>
-              <a:t>반복 종료</a:t>
-            </a:r>
-          </a:p>
-        </p:txBody>
-      </p:sp>
-      <p:sp>
-        <p:nvSpPr>
-          <p:cNvPr id="3" name="직사각형 2">
+      <p:pic>
+        <p:nvPicPr>
+          <p:cNvPr id="4" name="그림 3">
             <a:extLst>
               <a:ext uri="{FF2B5EF4-FFF2-40B4-BE49-F238E27FC236}">
-                <a16:creationId xmlns:a16="http://schemas.microsoft.com/office/drawing/2014/main" id="{44BCE76D-9643-4999-8DA5-A7E1F2B6219D}"/>
+                <a16:creationId xmlns:a16="http://schemas.microsoft.com/office/drawing/2014/main" id="{AFF41887-CF62-4042-A844-296A80423D43}"/>
+              </a:ext>
+            </a:extLst>
+          </p:cNvPr>
+          <p:cNvPicPr>
+            <a:picLocks noChangeAspect="1"/>
+          </p:cNvPicPr>
+          <p:nvPr/>
+        </p:nvPicPr>
+        <p:blipFill rotWithShape="1">
+          <a:blip r:embed="rId3"/>
+          <a:srcRect t="10361" r="84917" b="28709"/>
+          <a:stretch/>
+        </p:blipFill>
+        <p:spPr>
+          <a:xfrm>
+            <a:off x="0" y="497176"/>
+            <a:ext cx="2875280" cy="6360824"/>
+          </a:xfrm>
+          <a:prstGeom prst="rect">
+            <a:avLst/>
+          </a:prstGeom>
+        </p:spPr>
+      </p:pic>
+      <p:pic>
+        <p:nvPicPr>
+          <p:cNvPr id="6" name="그림 5">
+            <a:extLst>
+              <a:ext uri="{FF2B5EF4-FFF2-40B4-BE49-F238E27FC236}">
+                <a16:creationId xmlns:a16="http://schemas.microsoft.com/office/drawing/2014/main" id="{3349D481-4969-438C-88A2-666544BBB930}"/>
+              </a:ext>
+            </a:extLst>
+          </p:cNvPr>
+          <p:cNvPicPr>
+            <a:picLocks noChangeAspect="1"/>
+          </p:cNvPicPr>
+          <p:nvPr/>
+        </p:nvPicPr>
+        <p:blipFill rotWithShape="1">
+          <a:blip r:embed="rId3"/>
+          <a:srcRect l="22333" t="38360" r="61863" b="45663"/>
+          <a:stretch/>
+        </p:blipFill>
+        <p:spPr>
+          <a:xfrm>
+            <a:off x="4577049" y="1074462"/>
+            <a:ext cx="5825825" cy="3225739"/>
+          </a:xfrm>
+          <a:prstGeom prst="rect">
+            <a:avLst/>
+          </a:prstGeom>
+        </p:spPr>
+      </p:pic>
+      <p:pic>
+        <p:nvPicPr>
+          <p:cNvPr id="7" name="그림 6">
+            <a:extLst>
+              <a:ext uri="{FF2B5EF4-FFF2-40B4-BE49-F238E27FC236}">
+                <a16:creationId xmlns:a16="http://schemas.microsoft.com/office/drawing/2014/main" id="{D6F29990-CF54-45F6-95FF-CFA525FEC82E}"/>
+              </a:ext>
+            </a:extLst>
+          </p:cNvPr>
+          <p:cNvPicPr>
+            <a:picLocks noChangeAspect="1"/>
+          </p:cNvPicPr>
+          <p:nvPr/>
+        </p:nvPicPr>
+        <p:blipFill rotWithShape="1">
+          <a:blip r:embed="rId3"/>
+          <a:srcRect l="37282" t="38360" r="46250" b="45663"/>
+          <a:stretch/>
+        </p:blipFill>
+        <p:spPr>
+          <a:xfrm>
+            <a:off x="4577049" y="3022945"/>
+            <a:ext cx="6071073" cy="3225739"/>
+          </a:xfrm>
+          <a:prstGeom prst="rect">
+            <a:avLst/>
+          </a:prstGeom>
+        </p:spPr>
+      </p:pic>
+      <p:sp>
+        <p:nvSpPr>
+          <p:cNvPr id="8" name="직사각형 7">
+            <a:extLst>
+              <a:ext uri="{FF2B5EF4-FFF2-40B4-BE49-F238E27FC236}">
+                <a16:creationId xmlns:a16="http://schemas.microsoft.com/office/drawing/2014/main" id="{B448B84A-920A-40AF-8637-7D4ECA8FBB13}"/>
               </a:ext>
             </a:extLst>
           </p:cNvPr>
@@ -6822,8 +6999,8 @@
         </p:nvSpPr>
         <p:spPr>
           <a:xfrm>
-            <a:off x="1116417" y="1487403"/>
-            <a:ext cx="3835510" cy="2356941"/>
+            <a:off x="0" y="1074462"/>
+            <a:ext cx="587830" cy="533401"/>
           </a:xfrm>
           <a:prstGeom prst="rect">
             <a:avLst/>
@@ -6864,10 +7041,316 @@
           </a:p>
         </p:txBody>
       </p:sp>
+      <p:sp>
+        <p:nvSpPr>
+          <p:cNvPr id="9" name="직사각형 8">
+            <a:extLst>
+              <a:ext uri="{FF2B5EF4-FFF2-40B4-BE49-F238E27FC236}">
+                <a16:creationId xmlns:a16="http://schemas.microsoft.com/office/drawing/2014/main" id="{2E2B2B61-834F-4A49-9A7E-6EAB1F548EC1}"/>
+              </a:ext>
+            </a:extLst>
+          </p:cNvPr>
+          <p:cNvSpPr/>
+          <p:nvPr/>
+        </p:nvSpPr>
+        <p:spPr>
+          <a:xfrm>
+            <a:off x="0" y="2851169"/>
+            <a:ext cx="587830" cy="533401"/>
+          </a:xfrm>
+          <a:prstGeom prst="rect">
+            <a:avLst/>
+          </a:prstGeom>
+          <a:noFill/>
+          <a:ln w="57150">
+            <a:solidFill>
+              <a:srgbClr val="00FF00"/>
+            </a:solidFill>
+          </a:ln>
+        </p:spPr>
+        <p:style>
+          <a:lnRef idx="2">
+            <a:schemeClr val="accent1">
+              <a:shade val="50000"/>
+            </a:schemeClr>
+          </a:lnRef>
+          <a:fillRef idx="1">
+            <a:schemeClr val="accent1"/>
+          </a:fillRef>
+          <a:effectRef idx="0">
+            <a:schemeClr val="accent1"/>
+          </a:effectRef>
+          <a:fontRef idx="minor">
+            <a:schemeClr val="lt1"/>
+          </a:fontRef>
+        </p:style>
+        <p:txBody>
+          <a:bodyPr rtlCol="0" anchor="ctr"/>
+          <a:lstStyle/>
+          <a:p>
+            <a:pPr algn="ctr"/>
+            <a:endParaRPr lang="ko-KR" altLang="en-US">
+              <a:solidFill>
+                <a:srgbClr val="FF0000"/>
+              </a:solidFill>
+            </a:endParaRPr>
+          </a:p>
+        </p:txBody>
+      </p:sp>
+      <p:sp>
+        <p:nvSpPr>
+          <p:cNvPr id="10" name="직사각형 9">
+            <a:extLst>
+              <a:ext uri="{FF2B5EF4-FFF2-40B4-BE49-F238E27FC236}">
+                <a16:creationId xmlns:a16="http://schemas.microsoft.com/office/drawing/2014/main" id="{B33246CF-740F-4371-A9D8-632A6F09A934}"/>
+              </a:ext>
+            </a:extLst>
+          </p:cNvPr>
+          <p:cNvSpPr/>
+          <p:nvPr/>
+        </p:nvSpPr>
+        <p:spPr>
+          <a:xfrm>
+            <a:off x="566060" y="6283354"/>
+            <a:ext cx="1171300" cy="533401"/>
+          </a:xfrm>
+          <a:prstGeom prst="rect">
+            <a:avLst/>
+          </a:prstGeom>
+          <a:noFill/>
+          <a:ln w="57150">
+            <a:solidFill>
+              <a:srgbClr val="00FF00"/>
+            </a:solidFill>
+          </a:ln>
+        </p:spPr>
+        <p:style>
+          <a:lnRef idx="2">
+            <a:schemeClr val="accent1">
+              <a:shade val="50000"/>
+            </a:schemeClr>
+          </a:lnRef>
+          <a:fillRef idx="1">
+            <a:schemeClr val="accent1"/>
+          </a:fillRef>
+          <a:effectRef idx="0">
+            <a:schemeClr val="accent1"/>
+          </a:effectRef>
+          <a:fontRef idx="minor">
+            <a:schemeClr val="lt1"/>
+          </a:fontRef>
+        </p:style>
+        <p:txBody>
+          <a:bodyPr rtlCol="0" anchor="ctr"/>
+          <a:lstStyle/>
+          <a:p>
+            <a:pPr algn="ctr"/>
+            <a:endParaRPr lang="ko-KR" altLang="en-US">
+              <a:solidFill>
+                <a:srgbClr val="FF0000"/>
+              </a:solidFill>
+            </a:endParaRPr>
+          </a:p>
+        </p:txBody>
+      </p:sp>
+      <p:sp>
+        <p:nvSpPr>
+          <p:cNvPr id="11" name="직사각형 10">
+            <a:extLst>
+              <a:ext uri="{FF2B5EF4-FFF2-40B4-BE49-F238E27FC236}">
+                <a16:creationId xmlns:a16="http://schemas.microsoft.com/office/drawing/2014/main" id="{72335B98-7C94-4F5F-A513-C5668FB39644}"/>
+              </a:ext>
+            </a:extLst>
+          </p:cNvPr>
+          <p:cNvSpPr/>
+          <p:nvPr/>
+        </p:nvSpPr>
+        <p:spPr>
+          <a:xfrm>
+            <a:off x="566060" y="5745158"/>
+            <a:ext cx="2156820" cy="533401"/>
+          </a:xfrm>
+          <a:prstGeom prst="rect">
+            <a:avLst/>
+          </a:prstGeom>
+          <a:noFill/>
+          <a:ln w="57150">
+            <a:solidFill>
+              <a:srgbClr val="00FF00"/>
+            </a:solidFill>
+          </a:ln>
+        </p:spPr>
+        <p:style>
+          <a:lnRef idx="2">
+            <a:schemeClr val="accent1">
+              <a:shade val="50000"/>
+            </a:schemeClr>
+          </a:lnRef>
+          <a:fillRef idx="1">
+            <a:schemeClr val="accent1"/>
+          </a:fillRef>
+          <a:effectRef idx="0">
+            <a:schemeClr val="accent1"/>
+          </a:effectRef>
+          <a:fontRef idx="minor">
+            <a:schemeClr val="lt1"/>
+          </a:fontRef>
+        </p:style>
+        <p:txBody>
+          <a:bodyPr rtlCol="0" anchor="ctr"/>
+          <a:lstStyle/>
+          <a:p>
+            <a:pPr algn="ctr"/>
+            <a:endParaRPr lang="ko-KR" altLang="en-US">
+              <a:solidFill>
+                <a:srgbClr val="FF0000"/>
+              </a:solidFill>
+            </a:endParaRPr>
+          </a:p>
+        </p:txBody>
+      </p:sp>
+      <p:sp>
+        <p:nvSpPr>
+          <p:cNvPr id="12" name="직사각형 11">
+            <a:extLst>
+              <a:ext uri="{FF2B5EF4-FFF2-40B4-BE49-F238E27FC236}">
+                <a16:creationId xmlns:a16="http://schemas.microsoft.com/office/drawing/2014/main" id="{410057E3-2AA4-4960-8B2E-D19BDD444C97}"/>
+              </a:ext>
+            </a:extLst>
+          </p:cNvPr>
+          <p:cNvSpPr/>
+          <p:nvPr/>
+        </p:nvSpPr>
+        <p:spPr>
+          <a:xfrm>
+            <a:off x="627020" y="4739318"/>
+            <a:ext cx="2248260" cy="533401"/>
+          </a:xfrm>
+          <a:prstGeom prst="rect">
+            <a:avLst/>
+          </a:prstGeom>
+          <a:noFill/>
+          <a:ln w="57150">
+            <a:solidFill>
+              <a:srgbClr val="00FF00"/>
+            </a:solidFill>
+          </a:ln>
+        </p:spPr>
+        <p:style>
+          <a:lnRef idx="2">
+            <a:schemeClr val="accent1">
+              <a:shade val="50000"/>
+            </a:schemeClr>
+          </a:lnRef>
+          <a:fillRef idx="1">
+            <a:schemeClr val="accent1"/>
+          </a:fillRef>
+          <a:effectRef idx="0">
+            <a:schemeClr val="accent1"/>
+          </a:effectRef>
+          <a:fontRef idx="minor">
+            <a:schemeClr val="lt1"/>
+          </a:fontRef>
+        </p:style>
+        <p:txBody>
+          <a:bodyPr rtlCol="0" anchor="ctr"/>
+          <a:lstStyle/>
+          <a:p>
+            <a:pPr algn="ctr"/>
+            <a:endParaRPr lang="ko-KR" altLang="en-US">
+              <a:solidFill>
+                <a:srgbClr val="FF0000"/>
+              </a:solidFill>
+            </a:endParaRPr>
+          </a:p>
+        </p:txBody>
+      </p:sp>
+      <p:sp>
+        <p:nvSpPr>
+          <p:cNvPr id="13" name="제목 1">
+            <a:extLst>
+              <a:ext uri="{FF2B5EF4-FFF2-40B4-BE49-F238E27FC236}">
+                <a16:creationId xmlns:a16="http://schemas.microsoft.com/office/drawing/2014/main" id="{40F1F8E7-29C9-4E5E-9159-478C45990445}"/>
+              </a:ext>
+            </a:extLst>
+          </p:cNvPr>
+          <p:cNvSpPr txBox="1">
+            <a:spLocks/>
+          </p:cNvSpPr>
+          <p:nvPr/>
+        </p:nvSpPr>
+        <p:spPr>
+          <a:xfrm>
+            <a:off x="132522" y="-251101"/>
+            <a:ext cx="10515600" cy="1325563"/>
+          </a:xfrm>
+          <a:prstGeom prst="rect">
+            <a:avLst/>
+          </a:prstGeom>
+        </p:spPr>
+        <p:txBody>
+          <a:bodyPr vert="horz" lIns="91440" tIns="45720" rIns="91440" bIns="45720" rtlCol="0" anchor="ctr">
+            <a:normAutofit/>
+          </a:bodyPr>
+          <a:lstStyle>
+            <a:lvl1pPr algn="l" defTabSz="914400" rtl="0" eaLnBrk="1" latinLnBrk="1" hangingPunct="1">
+              <a:lnSpc>
+                <a:spcPct val="90000"/>
+              </a:lnSpc>
+              <a:spcBef>
+                <a:spcPct val="0"/>
+              </a:spcBef>
+              <a:buNone/>
+              <a:defRPr sz="4400" kern="1200">
+                <a:solidFill>
+                  <a:schemeClr val="tx1"/>
+                </a:solidFill>
+                <a:latin typeface="+mj-lt"/>
+                <a:ea typeface="+mj-ea"/>
+                <a:cs typeface="+mj-cs"/>
+              </a:defRPr>
+            </a:lvl1pPr>
+          </a:lstStyle>
+          <a:p>
+            <a:r>
+              <a:rPr lang="ko-KR" altLang="en-US">
+                <a:latin typeface="HY강B" panose="02030600000101010101" pitchFamily="18" charset="-127"/>
+                <a:ea typeface="HY강B" panose="02030600000101010101" pitchFamily="18" charset="-127"/>
+              </a:rPr>
+              <a:t>뒤로 가고 끝</a:t>
+            </a:r>
+            <a:r>
+              <a:rPr lang="en-US" altLang="ko-KR">
+                <a:latin typeface="HY강B" panose="02030600000101010101" pitchFamily="18" charset="-127"/>
+                <a:ea typeface="HY강B" panose="02030600000101010101" pitchFamily="18" charset="-127"/>
+              </a:rPr>
+              <a:t>? </a:t>
+            </a:r>
+            <a:r>
+              <a:rPr lang="ko-KR" altLang="en-US">
+                <a:latin typeface="HY강B" panose="02030600000101010101" pitchFamily="18" charset="-127"/>
+                <a:ea typeface="HY강B" panose="02030600000101010101" pitchFamily="18" charset="-127"/>
+              </a:rPr>
+              <a:t>계속 하려면</a:t>
+            </a:r>
+            <a:r>
+              <a:rPr lang="en-US" altLang="ko-KR">
+                <a:latin typeface="HY강B" panose="02030600000101010101" pitchFamily="18" charset="-127"/>
+                <a:ea typeface="HY강B" panose="02030600000101010101" pitchFamily="18" charset="-127"/>
+              </a:rPr>
+              <a:t>?</a:t>
+            </a:r>
+            <a:endParaRPr lang="ko-KR" altLang="en-US" dirty="0">
+              <a:latin typeface="HY강B" panose="02030600000101010101" pitchFamily="18" charset="-127"/>
+              <a:ea typeface="HY강B" panose="02030600000101010101" pitchFamily="18" charset="-127"/>
+            </a:endParaRPr>
+          </a:p>
+        </p:txBody>
+      </p:sp>
     </p:spTree>
     <p:extLst>
       <p:ext uri="{BB962C8B-B14F-4D97-AF65-F5344CB8AC3E}">
-        <p14:creationId xmlns:p14="http://schemas.microsoft.com/office/powerpoint/2010/main" val="1346616269"/>
+        <p14:creationId xmlns:p14="http://schemas.microsoft.com/office/powerpoint/2010/main" val="1423292739"/>
       </p:ext>
     </p:extLst>
   </p:cSld>
@@ -6894,35 +7377,6 @@
           <a:chExt cx="0" cy="0"/>
         </a:xfrm>
       </p:grpSpPr>
-      <p:pic>
-        <p:nvPicPr>
-          <p:cNvPr id="6" name="그림 5">
-            <a:extLst>
-              <a:ext uri="{FF2B5EF4-FFF2-40B4-BE49-F238E27FC236}">
-                <a16:creationId xmlns:a16="http://schemas.microsoft.com/office/drawing/2014/main" id="{ADC14609-C9E3-4C14-9614-AFC36298F99E}"/>
-              </a:ext>
-            </a:extLst>
-          </p:cNvPr>
-          <p:cNvPicPr>
-            <a:picLocks noChangeAspect="1"/>
-          </p:cNvPicPr>
-          <p:nvPr/>
-        </p:nvPicPr>
-        <p:blipFill rotWithShape="1">
-          <a:blip r:embed="rId3"/>
-          <a:srcRect l="21000" t="37751" r="61500" b="31816"/>
-          <a:stretch/>
-        </p:blipFill>
-        <p:spPr>
-          <a:xfrm>
-            <a:off x="4750020" y="1077217"/>
-            <a:ext cx="5460779" cy="5200742"/>
-          </a:xfrm>
-          <a:prstGeom prst="rect">
-            <a:avLst/>
-          </a:prstGeom>
-        </p:spPr>
-      </p:pic>
       <p:sp>
         <p:nvSpPr>
           <p:cNvPr id="2" name="제목 1"/>
@@ -6935,12 +7389,14 @@
         </p:nvSpPr>
         <p:spPr>
           <a:xfrm>
-            <a:off x="132522" y="-251101"/>
-            <a:ext cx="10515600" cy="1325563"/>
-          </a:xfrm>
-        </p:spPr>
-        <p:txBody>
-          <a:bodyPr/>
+            <a:off x="229113" y="2247400"/>
+            <a:ext cx="11555056" cy="1325563"/>
+          </a:xfrm>
+        </p:spPr>
+        <p:txBody>
+          <a:bodyPr>
+            <a:normAutofit fontScale="90000"/>
+          </a:bodyPr>
           <a:lstStyle/>
           <a:p>
             <a:r>
@@ -6948,46 +7404,142 @@
                 <a:latin typeface="HY강B" panose="02030600000101010101" pitchFamily="18" charset="-127"/>
                 <a:ea typeface="HY강B" panose="02030600000101010101" pitchFamily="18" charset="-127"/>
               </a:rPr>
-              <a:t>가운데 버튼 눌릴 때 까지 부딪치면 뒤로</a:t>
-            </a:r>
-          </a:p>
-        </p:txBody>
-      </p:sp>
-      <p:pic>
-        <p:nvPicPr>
-          <p:cNvPr id="4" name="그림 3">
+              <a:t>반복 시작</a:t>
+            </a:r>
+            <a:br>
+              <a:rPr lang="en-US" altLang="ko-KR" dirty="0">
+                <a:latin typeface="HY강B" panose="02030600000101010101" pitchFamily="18" charset="-127"/>
+                <a:ea typeface="HY강B" panose="02030600000101010101" pitchFamily="18" charset="-127"/>
+              </a:rPr>
+            </a:br>
+            <a:br>
+              <a:rPr lang="en-US" altLang="ko-KR" dirty="0">
+                <a:latin typeface="HY강B" panose="02030600000101010101" pitchFamily="18" charset="-127"/>
+                <a:ea typeface="HY강B" panose="02030600000101010101" pitchFamily="18" charset="-127"/>
+              </a:rPr>
+            </a:br>
+            <a:r>
+              <a:rPr lang="en-US" altLang="ko-KR" dirty="0">
+                <a:latin typeface="HY강B" panose="02030600000101010101" pitchFamily="18" charset="-127"/>
+                <a:ea typeface="HY강B" panose="02030600000101010101" pitchFamily="18" charset="-127"/>
+              </a:rPr>
+              <a:t>	</a:t>
+            </a:r>
+            <a:r>
+              <a:rPr lang="ko-KR" altLang="en-US" dirty="0">
+                <a:latin typeface="HY강B" panose="02030600000101010101" pitchFamily="18" charset="-127"/>
+                <a:ea typeface="HY강B" panose="02030600000101010101" pitchFamily="18" charset="-127"/>
+              </a:rPr>
+              <a:t>앞으로 이동</a:t>
+            </a:r>
+            <a:br>
+              <a:rPr lang="en-US" altLang="ko-KR" dirty="0">
+                <a:latin typeface="HY강B" panose="02030600000101010101" pitchFamily="18" charset="-127"/>
+                <a:ea typeface="HY강B" panose="02030600000101010101" pitchFamily="18" charset="-127"/>
+              </a:rPr>
+            </a:br>
+            <a:r>
+              <a:rPr lang="en-US" altLang="ko-KR" dirty="0">
+                <a:latin typeface="HY강B" panose="02030600000101010101" pitchFamily="18" charset="-127"/>
+                <a:ea typeface="HY강B" panose="02030600000101010101" pitchFamily="18" charset="-127"/>
+              </a:rPr>
+              <a:t> </a:t>
+            </a:r>
+            <a:br>
+              <a:rPr lang="en-US" altLang="ko-KR" dirty="0">
+                <a:latin typeface="HY강B" panose="02030600000101010101" pitchFamily="18" charset="-127"/>
+                <a:ea typeface="HY강B" panose="02030600000101010101" pitchFamily="18" charset="-127"/>
+              </a:rPr>
+            </a:br>
+            <a:r>
+              <a:rPr lang="en-US" altLang="ko-KR" dirty="0">
+                <a:latin typeface="HY강B" panose="02030600000101010101" pitchFamily="18" charset="-127"/>
+                <a:ea typeface="HY강B" panose="02030600000101010101" pitchFamily="18" charset="-127"/>
+              </a:rPr>
+              <a:t>	</a:t>
+            </a:r>
+            <a:r>
+              <a:rPr lang="ko-KR" altLang="en-US" dirty="0">
+                <a:latin typeface="HY강B" panose="02030600000101010101" pitchFamily="18" charset="-127"/>
+                <a:ea typeface="HY강B" panose="02030600000101010101" pitchFamily="18" charset="-127"/>
+              </a:rPr>
+              <a:t>터치센서 눌림</a:t>
+            </a:r>
+            <a:br>
+              <a:rPr lang="en-US" altLang="ko-KR" dirty="0">
+                <a:latin typeface="HY강B" panose="02030600000101010101" pitchFamily="18" charset="-127"/>
+                <a:ea typeface="HY강B" panose="02030600000101010101" pitchFamily="18" charset="-127"/>
+              </a:rPr>
+            </a:br>
+            <a:r>
+              <a:rPr lang="en-US" altLang="ko-KR" dirty="0">
+                <a:latin typeface="HY강B" panose="02030600000101010101" pitchFamily="18" charset="-127"/>
+                <a:ea typeface="HY강B" panose="02030600000101010101" pitchFamily="18" charset="-127"/>
+              </a:rPr>
+              <a:t>		-</a:t>
+            </a:r>
+            <a:r>
+              <a:rPr lang="ko-KR" altLang="en-US" dirty="0" err="1">
+                <a:latin typeface="HY강B" panose="02030600000101010101" pitchFamily="18" charset="-127"/>
+                <a:ea typeface="HY강B" panose="02030600000101010101" pitchFamily="18" charset="-127"/>
+              </a:rPr>
+              <a:t>뒤로가기</a:t>
+            </a:r>
+            <a:r>
+              <a:rPr lang="ko-KR" altLang="en-US" dirty="0">
+                <a:latin typeface="HY강B" panose="02030600000101010101" pitchFamily="18" charset="-127"/>
+                <a:ea typeface="HY강B" panose="02030600000101010101" pitchFamily="18" charset="-127"/>
+              </a:rPr>
+              <a:t> </a:t>
+            </a:r>
+            <a:r>
+              <a:rPr lang="en-US" altLang="ko-KR" dirty="0">
+                <a:latin typeface="HY강B" panose="02030600000101010101" pitchFamily="18" charset="-127"/>
+                <a:ea typeface="HY강B" panose="02030600000101010101" pitchFamily="18" charset="-127"/>
+              </a:rPr>
+              <a:t>	 </a:t>
+            </a:r>
+            <a:r>
+              <a:rPr lang="ko-KR" altLang="en-US" dirty="0">
+                <a:latin typeface="HY강B" panose="02030600000101010101" pitchFamily="18" charset="-127"/>
+                <a:ea typeface="HY강B" panose="02030600000101010101" pitchFamily="18" charset="-127"/>
+              </a:rPr>
+              <a:t>반복되는 부분</a:t>
+            </a:r>
+            <a:br>
+              <a:rPr lang="en-US" altLang="ko-KR" dirty="0">
+                <a:latin typeface="HY강B" panose="02030600000101010101" pitchFamily="18" charset="-127"/>
+                <a:ea typeface="HY강B" panose="02030600000101010101" pitchFamily="18" charset="-127"/>
+              </a:rPr>
+            </a:br>
+            <a:br>
+              <a:rPr lang="en-US" altLang="ko-KR" dirty="0">
+                <a:latin typeface="HY강B" panose="02030600000101010101" pitchFamily="18" charset="-127"/>
+                <a:ea typeface="HY강B" panose="02030600000101010101" pitchFamily="18" charset="-127"/>
+              </a:rPr>
+            </a:br>
+            <a:br>
+              <a:rPr lang="en-US" altLang="ko-KR" dirty="0">
+                <a:latin typeface="HY강B" panose="02030600000101010101" pitchFamily="18" charset="-127"/>
+                <a:ea typeface="HY강B" panose="02030600000101010101" pitchFamily="18" charset="-127"/>
+              </a:rPr>
+            </a:br>
+            <a:r>
+              <a:rPr lang="ko-KR" altLang="en-US" dirty="0">
+                <a:latin typeface="HY강B" panose="02030600000101010101" pitchFamily="18" charset="-127"/>
+                <a:ea typeface="HY강B" panose="02030600000101010101" pitchFamily="18" charset="-127"/>
+              </a:rPr>
+              <a:t>반복 종료</a:t>
+            </a:r>
+          </a:p>
+        </p:txBody>
+      </p:sp>
+      <p:sp>
+        <p:nvSpPr>
+          <p:cNvPr id="3" name="직사각형 2">
             <a:extLst>
               <a:ext uri="{FF2B5EF4-FFF2-40B4-BE49-F238E27FC236}">
-                <a16:creationId xmlns:a16="http://schemas.microsoft.com/office/drawing/2014/main" id="{FE471D1B-16C0-4BAD-A986-24C0ABC091C6}"/>
-              </a:ext>
-            </a:extLst>
-          </p:cNvPr>
-          <p:cNvPicPr>
-            <a:picLocks noChangeAspect="1"/>
-          </p:cNvPicPr>
-          <p:nvPr/>
-        </p:nvPicPr>
-        <p:blipFill rotWithShape="1">
-          <a:blip r:embed="rId4"/>
-          <a:srcRect t="10361" r="84917" b="33478"/>
-          <a:stretch/>
-        </p:blipFill>
-        <p:spPr>
-          <a:xfrm>
-            <a:off x="0" y="746096"/>
-            <a:ext cx="3007360" cy="6132308"/>
-          </a:xfrm>
-          <a:prstGeom prst="rect">
-            <a:avLst/>
-          </a:prstGeom>
-        </p:spPr>
-      </p:pic>
-      <p:sp>
-        <p:nvSpPr>
-          <p:cNvPr id="7" name="직사각형 6">
-            <a:extLst>
-              <a:ext uri="{FF2B5EF4-FFF2-40B4-BE49-F238E27FC236}">
-                <a16:creationId xmlns:a16="http://schemas.microsoft.com/office/drawing/2014/main" id="{65597F9A-D0DC-489E-9F43-27F86FD11521}"/>
+                <a16:creationId xmlns:a16="http://schemas.microsoft.com/office/drawing/2014/main" id="{44BCE76D-9643-4999-8DA5-A7E1F2B6219D}"/>
               </a:ext>
             </a:extLst>
           </p:cNvPr>
@@ -6996,8 +7548,8 @@
         </p:nvSpPr>
         <p:spPr>
           <a:xfrm>
-            <a:off x="0" y="3771610"/>
-            <a:ext cx="587830" cy="533401"/>
+            <a:off x="1116417" y="1487403"/>
+            <a:ext cx="3835510" cy="2356941"/>
           </a:xfrm>
           <a:prstGeom prst="rect">
             <a:avLst/>
@@ -7038,66 +7590,10 @@
           </a:p>
         </p:txBody>
       </p:sp>
-      <p:sp>
-        <p:nvSpPr>
-          <p:cNvPr id="8" name="직사각형 7">
-            <a:extLst>
-              <a:ext uri="{FF2B5EF4-FFF2-40B4-BE49-F238E27FC236}">
-                <a16:creationId xmlns:a16="http://schemas.microsoft.com/office/drawing/2014/main" id="{3C54A4A9-EE5D-4441-BD55-6FA754E25622}"/>
-              </a:ext>
-            </a:extLst>
-          </p:cNvPr>
-          <p:cNvSpPr/>
-          <p:nvPr/>
-        </p:nvSpPr>
-        <p:spPr>
-          <a:xfrm>
-            <a:off x="0" y="4405649"/>
-            <a:ext cx="587830" cy="533401"/>
-          </a:xfrm>
-          <a:prstGeom prst="rect">
-            <a:avLst/>
-          </a:prstGeom>
-          <a:noFill/>
-          <a:ln w="57150">
-            <a:solidFill>
-              <a:srgbClr val="00FF00"/>
-            </a:solidFill>
-          </a:ln>
-        </p:spPr>
-        <p:style>
-          <a:lnRef idx="2">
-            <a:schemeClr val="accent1">
-              <a:shade val="50000"/>
-            </a:schemeClr>
-          </a:lnRef>
-          <a:fillRef idx="1">
-            <a:schemeClr val="accent1"/>
-          </a:fillRef>
-          <a:effectRef idx="0">
-            <a:schemeClr val="accent1"/>
-          </a:effectRef>
-          <a:fontRef idx="minor">
-            <a:schemeClr val="lt1"/>
-          </a:fontRef>
-        </p:style>
-        <p:txBody>
-          <a:bodyPr rtlCol="0" anchor="ctr"/>
-          <a:lstStyle/>
-          <a:p>
-            <a:pPr algn="ctr"/>
-            <a:endParaRPr lang="ko-KR" altLang="en-US">
-              <a:solidFill>
-                <a:srgbClr val="FF0000"/>
-              </a:solidFill>
-            </a:endParaRPr>
-          </a:p>
-        </p:txBody>
-      </p:sp>
     </p:spTree>
     <p:extLst>
       <p:ext uri="{BB962C8B-B14F-4D97-AF65-F5344CB8AC3E}">
-        <p14:creationId xmlns:p14="http://schemas.microsoft.com/office/powerpoint/2010/main" val="3288309018"/>
+        <p14:creationId xmlns:p14="http://schemas.microsoft.com/office/powerpoint/2010/main" val="1346616269"/>
       </p:ext>
     </p:extLst>
   </p:cSld>
@@ -7324,294 +7820,10 @@
           </a:p>
         </p:txBody>
       </p:sp>
-      <p:sp>
-        <p:nvSpPr>
-          <p:cNvPr id="10" name="제목 1">
-            <a:extLst>
-              <a:ext uri="{FF2B5EF4-FFF2-40B4-BE49-F238E27FC236}">
-                <a16:creationId xmlns:a16="http://schemas.microsoft.com/office/drawing/2014/main" id="{FFA1DF91-04DD-4FE1-861E-5C22E1C2CA60}"/>
-              </a:ext>
-            </a:extLst>
-          </p:cNvPr>
-          <p:cNvSpPr txBox="1">
-            <a:spLocks/>
-          </p:cNvSpPr>
-          <p:nvPr/>
-        </p:nvSpPr>
-        <p:spPr>
-          <a:xfrm>
-            <a:off x="8337046" y="2397951"/>
-            <a:ext cx="3073636" cy="672542"/>
-          </a:xfrm>
-          <a:prstGeom prst="rect">
-            <a:avLst/>
-          </a:prstGeom>
-        </p:spPr>
-        <p:txBody>
-          <a:bodyPr vert="horz" lIns="91440" tIns="45720" rIns="91440" bIns="45720" rtlCol="0" anchor="ctr">
-            <a:normAutofit fontScale="92500"/>
-          </a:bodyPr>
-          <a:lstStyle>
-            <a:lvl1pPr algn="l" defTabSz="914400" rtl="0" eaLnBrk="1" latinLnBrk="1" hangingPunct="1">
-              <a:lnSpc>
-                <a:spcPct val="90000"/>
-              </a:lnSpc>
-              <a:spcBef>
-                <a:spcPct val="0"/>
-              </a:spcBef>
-              <a:buNone/>
-              <a:defRPr sz="4400" kern="1200">
-                <a:solidFill>
-                  <a:schemeClr val="tx1"/>
-                </a:solidFill>
-                <a:latin typeface="+mj-lt"/>
-                <a:ea typeface="+mj-ea"/>
-                <a:cs typeface="+mj-cs"/>
-              </a:defRPr>
-            </a:lvl1pPr>
-          </a:lstStyle>
-          <a:p>
-            <a:r>
-              <a:rPr lang="ko-KR" altLang="en-US" dirty="0">
-                <a:latin typeface="HY강B" panose="02030600000101010101" pitchFamily="18" charset="-127"/>
-                <a:ea typeface="HY강B" panose="02030600000101010101" pitchFamily="18" charset="-127"/>
-              </a:rPr>
-              <a:t>앞으로 이동</a:t>
-            </a:r>
-          </a:p>
-        </p:txBody>
-      </p:sp>
-      <p:sp>
-        <p:nvSpPr>
-          <p:cNvPr id="11" name="제목 1">
-            <a:extLst>
-              <a:ext uri="{FF2B5EF4-FFF2-40B4-BE49-F238E27FC236}">
-                <a16:creationId xmlns:a16="http://schemas.microsoft.com/office/drawing/2014/main" id="{E21B5DC8-EA31-4C37-A09E-A85F9AC7601B}"/>
-              </a:ext>
-            </a:extLst>
-          </p:cNvPr>
-          <p:cNvSpPr txBox="1">
-            <a:spLocks/>
-          </p:cNvSpPr>
-          <p:nvPr/>
-        </p:nvSpPr>
-        <p:spPr>
-          <a:xfrm>
-            <a:off x="9896855" y="4079373"/>
-            <a:ext cx="3197088" cy="860084"/>
-          </a:xfrm>
-          <a:prstGeom prst="rect">
-            <a:avLst/>
-          </a:prstGeom>
-        </p:spPr>
-        <p:txBody>
-          <a:bodyPr vert="horz" lIns="91440" tIns="45720" rIns="91440" bIns="45720" rtlCol="0" anchor="ctr">
-            <a:normAutofit/>
-          </a:bodyPr>
-          <a:lstStyle>
-            <a:lvl1pPr algn="l" defTabSz="914400" rtl="0" eaLnBrk="1" latinLnBrk="1" hangingPunct="1">
-              <a:lnSpc>
-                <a:spcPct val="90000"/>
-              </a:lnSpc>
-              <a:spcBef>
-                <a:spcPct val="0"/>
-              </a:spcBef>
-              <a:buNone/>
-              <a:defRPr sz="4400" kern="1200">
-                <a:solidFill>
-                  <a:schemeClr val="tx1"/>
-                </a:solidFill>
-                <a:latin typeface="+mj-lt"/>
-                <a:ea typeface="+mj-ea"/>
-                <a:cs typeface="+mj-cs"/>
-              </a:defRPr>
-            </a:lvl1pPr>
-          </a:lstStyle>
-          <a:p>
-            <a:r>
-              <a:rPr lang="ko-KR" altLang="en-US" dirty="0">
-                <a:latin typeface="HY강B" panose="02030600000101010101" pitchFamily="18" charset="-127"/>
-                <a:ea typeface="HY강B" panose="02030600000101010101" pitchFamily="18" charset="-127"/>
-              </a:rPr>
-              <a:t>뒤로</a:t>
-            </a:r>
-          </a:p>
-        </p:txBody>
-      </p:sp>
-      <p:sp>
-        <p:nvSpPr>
-          <p:cNvPr id="12" name="제목 1">
-            <a:extLst>
-              <a:ext uri="{FF2B5EF4-FFF2-40B4-BE49-F238E27FC236}">
-                <a16:creationId xmlns:a16="http://schemas.microsoft.com/office/drawing/2014/main" id="{F9005EA3-0F54-43D3-8CA2-21A70BC3E778}"/>
-              </a:ext>
-            </a:extLst>
-          </p:cNvPr>
-          <p:cNvSpPr txBox="1">
-            <a:spLocks/>
-          </p:cNvSpPr>
-          <p:nvPr/>
-        </p:nvSpPr>
-        <p:spPr>
-          <a:xfrm>
-            <a:off x="8337046" y="2996409"/>
-            <a:ext cx="3718260" cy="860084"/>
-          </a:xfrm>
-          <a:prstGeom prst="rect">
-            <a:avLst/>
-          </a:prstGeom>
-        </p:spPr>
-        <p:txBody>
-          <a:bodyPr vert="horz" lIns="91440" tIns="45720" rIns="91440" bIns="45720" rtlCol="0" anchor="ctr">
-            <a:normAutofit fontScale="92500"/>
-          </a:bodyPr>
-          <a:lstStyle>
-            <a:lvl1pPr algn="l" defTabSz="914400" rtl="0" eaLnBrk="1" latinLnBrk="1" hangingPunct="1">
-              <a:lnSpc>
-                <a:spcPct val="90000"/>
-              </a:lnSpc>
-              <a:spcBef>
-                <a:spcPct val="0"/>
-              </a:spcBef>
-              <a:buNone/>
-              <a:defRPr sz="4400" kern="1200">
-                <a:solidFill>
-                  <a:schemeClr val="tx1"/>
-                </a:solidFill>
-                <a:latin typeface="+mj-lt"/>
-                <a:ea typeface="+mj-ea"/>
-                <a:cs typeface="+mj-cs"/>
-              </a:defRPr>
-            </a:lvl1pPr>
-          </a:lstStyle>
-          <a:p>
-            <a:r>
-              <a:rPr lang="ko-KR" altLang="en-US" dirty="0">
-                <a:latin typeface="HY강B" panose="02030600000101010101" pitchFamily="18" charset="-127"/>
-                <a:ea typeface="HY강B" panose="02030600000101010101" pitchFamily="18" charset="-127"/>
-              </a:rPr>
-              <a:t>터치센서 눌림</a:t>
-            </a:r>
-          </a:p>
-        </p:txBody>
-      </p:sp>
-      <p:sp>
-        <p:nvSpPr>
-          <p:cNvPr id="14" name="직사각형 13">
-            <a:extLst>
-              <a:ext uri="{FF2B5EF4-FFF2-40B4-BE49-F238E27FC236}">
-                <a16:creationId xmlns:a16="http://schemas.microsoft.com/office/drawing/2014/main" id="{8F89AEA6-D170-483A-BD21-266A365097C6}"/>
-              </a:ext>
-            </a:extLst>
-          </p:cNvPr>
-          <p:cNvSpPr/>
-          <p:nvPr/>
-        </p:nvSpPr>
-        <p:spPr>
-          <a:xfrm>
-            <a:off x="4799773" y="1854451"/>
-            <a:ext cx="7074547" cy="3683464"/>
-          </a:xfrm>
-          <a:prstGeom prst="rect">
-            <a:avLst/>
-          </a:prstGeom>
-          <a:noFill/>
-          <a:ln w="57150">
-            <a:solidFill>
-              <a:srgbClr val="00FF00"/>
-            </a:solidFill>
-          </a:ln>
-        </p:spPr>
-        <p:style>
-          <a:lnRef idx="2">
-            <a:schemeClr val="accent1">
-              <a:shade val="50000"/>
-            </a:schemeClr>
-          </a:lnRef>
-          <a:fillRef idx="1">
-            <a:schemeClr val="accent1"/>
-          </a:fillRef>
-          <a:effectRef idx="0">
-            <a:schemeClr val="accent1"/>
-          </a:effectRef>
-          <a:fontRef idx="minor">
-            <a:schemeClr val="lt1"/>
-          </a:fontRef>
-        </p:style>
-        <p:txBody>
-          <a:bodyPr rtlCol="0" anchor="ctr"/>
-          <a:lstStyle/>
-          <a:p>
-            <a:pPr algn="ctr"/>
-            <a:endParaRPr lang="ko-KR" altLang="en-US">
-              <a:solidFill>
-                <a:srgbClr val="FF0000"/>
-              </a:solidFill>
-            </a:endParaRPr>
-          </a:p>
-        </p:txBody>
-      </p:sp>
-      <p:sp>
-        <p:nvSpPr>
-          <p:cNvPr id="15" name="제목 1">
-            <a:extLst>
-              <a:ext uri="{FF2B5EF4-FFF2-40B4-BE49-F238E27FC236}">
-                <a16:creationId xmlns:a16="http://schemas.microsoft.com/office/drawing/2014/main" id="{BBE16823-A050-4FB2-85DC-EC823F5B82D9}"/>
-              </a:ext>
-            </a:extLst>
-          </p:cNvPr>
-          <p:cNvSpPr txBox="1">
-            <a:spLocks/>
-          </p:cNvSpPr>
-          <p:nvPr/>
-        </p:nvSpPr>
-        <p:spPr>
-          <a:xfrm>
-            <a:off x="3635203" y="3266141"/>
-            <a:ext cx="1354987" cy="860084"/>
-          </a:xfrm>
-          <a:prstGeom prst="rect">
-            <a:avLst/>
-          </a:prstGeom>
-        </p:spPr>
-        <p:txBody>
-          <a:bodyPr vert="horz" lIns="91440" tIns="45720" rIns="91440" bIns="45720" rtlCol="0" anchor="ctr">
-            <a:normAutofit/>
-          </a:bodyPr>
-          <a:lstStyle>
-            <a:lvl1pPr algn="l" defTabSz="914400" rtl="0" eaLnBrk="1" latinLnBrk="1" hangingPunct="1">
-              <a:lnSpc>
-                <a:spcPct val="90000"/>
-              </a:lnSpc>
-              <a:spcBef>
-                <a:spcPct val="0"/>
-              </a:spcBef>
-              <a:buNone/>
-              <a:defRPr sz="4400" kern="1200">
-                <a:solidFill>
-                  <a:schemeClr val="tx1"/>
-                </a:solidFill>
-                <a:latin typeface="+mj-lt"/>
-                <a:ea typeface="+mj-ea"/>
-                <a:cs typeface="+mj-cs"/>
-              </a:defRPr>
-            </a:lvl1pPr>
-          </a:lstStyle>
-          <a:p>
-            <a:r>
-              <a:rPr lang="ko-KR" altLang="en-US" dirty="0">
-                <a:latin typeface="HY강B" panose="02030600000101010101" pitchFamily="18" charset="-127"/>
-                <a:ea typeface="HY강B" panose="02030600000101010101" pitchFamily="18" charset="-127"/>
-              </a:rPr>
-              <a:t>반복</a:t>
-            </a:r>
-          </a:p>
-        </p:txBody>
-      </p:sp>
     </p:spTree>
     <p:extLst>
       <p:ext uri="{BB962C8B-B14F-4D97-AF65-F5344CB8AC3E}">
-        <p14:creationId xmlns:p14="http://schemas.microsoft.com/office/powerpoint/2010/main" val="2592788960"/>
+        <p14:creationId xmlns:p14="http://schemas.microsoft.com/office/powerpoint/2010/main" val="3288309018"/>
       </p:ext>
     </p:extLst>
   </p:cSld>
